--- a/teaching/ITIS6200/2023fa/lectures/lec07.pptx
+++ b/teaching/ITIS6200/2023fa/lectures/lec07.pptx
@@ -1107,7 +1107,7 @@
         </p:nvSpPr>
         <p:spPr>
           <a:xfrm>
-            <a:off x="381300" y="685800"/>
+            <a:off x="381000" y="685800"/>
             <a:ext cx="6096000" cy="3429000"/>
           </a:xfrm>
           <a:custGeom>
@@ -3200,7 +3200,7 @@
         </p:nvSpPr>
         <p:spPr>
           <a:xfrm>
-            <a:off x="381300" y="685800"/>
+            <a:off x="381000" y="685800"/>
             <a:ext cx="6096000" cy="3429000"/>
           </a:xfrm>
           <a:custGeom>
@@ -5217,7 +5217,7 @@
         </p:nvSpPr>
         <p:spPr>
           <a:xfrm>
-            <a:off x="381300" y="685800"/>
+            <a:off x="381000" y="685800"/>
             <a:ext cx="6096000" cy="3429000"/>
           </a:xfrm>
           <a:custGeom>
@@ -6386,7 +6386,7 @@
         </p:nvSpPr>
         <p:spPr>
           <a:xfrm>
-            <a:off x="381300" y="685800"/>
+            <a:off x="381000" y="685800"/>
             <a:ext cx="6096000" cy="3429000"/>
           </a:xfrm>
           <a:custGeom>
@@ -6503,7 +6503,7 @@
         </p:nvSpPr>
         <p:spPr>
           <a:xfrm>
-            <a:off x="381300" y="685800"/>
+            <a:off x="381000" y="685800"/>
             <a:ext cx="6096000" cy="3429000"/>
           </a:xfrm>
           <a:custGeom>
@@ -13201,84 +13201,6 @@
           </a:p>
         </p:txBody>
       </p:sp>
-      <p:sp>
-        <p:nvSpPr>
-          <p:cNvPr id="66" name="Google Shape;66;p15"/>
-          <p:cNvSpPr txBox="1"/>
-          <p:nvPr/>
-        </p:nvSpPr>
-        <p:spPr>
-          <a:xfrm>
-            <a:off x="311700" y="2917900"/>
-            <a:ext cx="8520600" cy="792600"/>
-          </a:xfrm>
-          <a:prstGeom prst="rect">
-            <a:avLst/>
-          </a:prstGeom>
-          <a:noFill/>
-          <a:ln>
-            <a:noFill/>
-          </a:ln>
-        </p:spPr>
-        <p:txBody>
-          <a:bodyPr spcFirstLastPara="1" wrap="square" lIns="91425" tIns="91425" rIns="91425" bIns="91425" anchor="t" anchorCtr="0">
-            <a:normAutofit/>
-          </a:bodyPr>
-          <a:lstStyle/>
-          <a:p>
-            <a:pPr marL="0" lvl="0" indent="0" algn="ctr" rtl="0">
-              <a:spcBef>
-                <a:spcPts val="0"/>
-              </a:spcBef>
-              <a:spcAft>
-                <a:spcPts val="0"/>
-              </a:spcAft>
-              <a:buNone/>
-            </a:pPr>
-            <a:r>
-              <a:rPr lang="en" sz="2400">
-                <a:solidFill>
-                  <a:srgbClr val="000000"/>
-                </a:solidFill>
-              </a:rPr>
-              <a:t>CS 161 </a:t>
-            </a:r>
-            <a:r>
-              <a:rPr lang="en" sz="2400"/>
-              <a:t>Fall </a:t>
-            </a:r>
-            <a:r>
-              <a:rPr lang="en" sz="2400">
-                <a:solidFill>
-                  <a:srgbClr val="000000"/>
-                </a:solidFill>
-              </a:rPr>
-              <a:t>202</a:t>
-            </a:r>
-            <a:r>
-              <a:rPr lang="en" sz="2400"/>
-              <a:t>2</a:t>
-            </a:r>
-            <a:r>
-              <a:rPr lang="en" sz="2400">
-                <a:solidFill>
-                  <a:srgbClr val="000000"/>
-                </a:solidFill>
-              </a:rPr>
-              <a:t> - Lecture 1</a:t>
-            </a:r>
-            <a:r>
-              <a:rPr lang="en" sz="2400"/>
-              <a:t>0</a:t>
-            </a:r>
-            <a:endParaRPr sz="2400">
-              <a:solidFill>
-                <a:srgbClr val="000000"/>
-              </a:solidFill>
-            </a:endParaRPr>
-          </a:p>
-        </p:txBody>
-      </p:sp>
     </p:spTree>
   </p:cSld>
   <p:clrMapOvr>
@@ -14505,10 +14427,18 @@
               <a:buChar char="●"/>
             </a:pPr>
             <a:r>
-              <a:rPr lang="en"/>
-              <a:t>Let’s say that Michael Drake (MD, President of UC) runs the TD</a:t>
-            </a:r>
-            <a:endParaRPr/>
+              <a:rPr lang="en" dirty="0"/>
+              <a:t>Let’s say that Bojan </a:t>
+            </a:r>
+            <a:r>
+              <a:rPr lang="en" dirty="0" err="1"/>
+              <a:t>Cukic</a:t>
+            </a:r>
+            <a:r>
+              <a:rPr lang="en" dirty="0"/>
+              <a:t> (Dean of CCI) runs the TD</a:t>
+            </a:r>
+            <a:endParaRPr dirty="0"/>
           </a:p>
           <a:p>
             <a:pPr marL="914400" lvl="1" indent="-317500" algn="l" rtl="0">
@@ -14522,10 +14452,10 @@
               <a:buChar char="○"/>
             </a:pPr>
             <a:r>
-              <a:rPr lang="en"/>
-              <a:t>We want Nick Weaver’s public key: Ask MD</a:t>
-            </a:r>
-            <a:endParaRPr/>
+              <a:rPr lang="en" dirty="0"/>
+              <a:t>We want Jian Xiang’s public key: Ask MD</a:t>
+            </a:r>
+            <a:endParaRPr dirty="0"/>
           </a:p>
           <a:p>
             <a:pPr marL="914400" lvl="1" indent="-317500" algn="l" rtl="0">
@@ -14539,10 +14469,10 @@
               <a:buChar char="○"/>
             </a:pPr>
             <a:r>
-              <a:rPr lang="en"/>
+              <a:rPr lang="en" dirty="0"/>
               <a:t>We want David Wagner’s public key: Ask MD</a:t>
             </a:r>
-            <a:endParaRPr/>
+            <a:endParaRPr dirty="0"/>
           </a:p>
           <a:p>
             <a:pPr marL="914400" lvl="1" indent="-317500" algn="l" rtl="0">
@@ -14556,10 +14486,10 @@
               <a:buChar char="○"/>
             </a:pPr>
             <a:r>
-              <a:rPr lang="en"/>
+              <a:rPr lang="en" dirty="0"/>
               <a:t>We want Raluca Ada Popa’s public key: Ask MD</a:t>
             </a:r>
-            <a:endParaRPr/>
+            <a:endParaRPr dirty="0"/>
           </a:p>
           <a:p>
             <a:pPr marL="914400" lvl="1" indent="-317500" algn="l" rtl="0">
@@ -14573,10 +14503,10 @@
               <a:buChar char="○"/>
             </a:pPr>
             <a:r>
-              <a:rPr lang="en"/>
+              <a:rPr lang="en" dirty="0"/>
               <a:t>MD has better things to do (like making sure his private key isn’t stolen)!</a:t>
             </a:r>
-            <a:endParaRPr/>
+            <a:endParaRPr dirty="0"/>
           </a:p>
           <a:p>
             <a:pPr marL="457200" lvl="0" indent="-342900" algn="l" rtl="0">
@@ -14590,10 +14520,10 @@
               <a:buChar char="●"/>
             </a:pPr>
             <a:r>
-              <a:rPr lang="en"/>
+              <a:rPr lang="en" dirty="0"/>
               <a:t>Problems: Scalability</a:t>
             </a:r>
-            <a:endParaRPr/>
+            <a:endParaRPr dirty="0"/>
           </a:p>
           <a:p>
             <a:pPr marL="914400" lvl="1" indent="-317500" algn="l" rtl="0">
@@ -14607,10 +14537,10 @@
               <a:buChar char="○"/>
             </a:pPr>
             <a:r>
-              <a:rPr lang="en"/>
+              <a:rPr lang="en" dirty="0"/>
               <a:t>One directory won’t have enough compute power to serve the entire world</a:t>
             </a:r>
-            <a:endParaRPr/>
+            <a:endParaRPr dirty="0"/>
           </a:p>
           <a:p>
             <a:pPr marL="457200" lvl="0" indent="-342900" algn="l" rtl="0">
@@ -14624,10 +14554,10 @@
               <a:buChar char="●"/>
             </a:pPr>
             <a:r>
-              <a:rPr lang="en"/>
+              <a:rPr lang="en" dirty="0"/>
               <a:t>Problem: Single point of failure</a:t>
             </a:r>
-            <a:endParaRPr/>
+            <a:endParaRPr dirty="0"/>
           </a:p>
           <a:p>
             <a:pPr marL="914400" lvl="1" indent="-317500" algn="l" rtl="0">
@@ -14641,14 +14571,14 @@
               <a:buChar char="○"/>
             </a:pPr>
             <a:r>
-              <a:rPr lang="en"/>
+              <a:rPr lang="en" dirty="0"/>
               <a:t>If the directory fails, </a:t>
             </a:r>
             <a:r>
-              <a:rPr lang="en" i="1"/>
+              <a:rPr lang="en" i="1" dirty="0"/>
               <a:t>cryptography stops working</a:t>
             </a:r>
-            <a:endParaRPr i="1"/>
+            <a:endParaRPr i="1" dirty="0"/>
           </a:p>
           <a:p>
             <a:pPr marL="914400" lvl="1" indent="-317500" algn="l" rtl="0">
@@ -14662,10 +14592,10 @@
               <a:buChar char="○"/>
             </a:pPr>
             <a:r>
-              <a:rPr lang="en"/>
+              <a:rPr lang="en" dirty="0"/>
               <a:t>If the directory is compromised, you can’t trust anyone</a:t>
             </a:r>
-            <a:endParaRPr/>
+            <a:endParaRPr dirty="0"/>
           </a:p>
           <a:p>
             <a:pPr marL="914400" lvl="1" indent="-317500" algn="l" rtl="0">
@@ -14679,10 +14609,10 @@
               <a:buChar char="○"/>
             </a:pPr>
             <a:r>
-              <a:rPr lang="en"/>
+              <a:rPr lang="en" dirty="0"/>
               <a:t>If the directory is compromised, it is difficult to recover</a:t>
             </a:r>
-            <a:endParaRPr/>
+            <a:endParaRPr dirty="0"/>
           </a:p>
         </p:txBody>
       </p:sp>
@@ -20504,63 +20434,6 @@
           </a:p>
         </p:txBody>
       </p:sp>
-      <p:sp>
-        <p:nvSpPr>
-          <p:cNvPr id="199" name="Google Shape;199;p34"/>
-          <p:cNvSpPr txBox="1"/>
-          <p:nvPr/>
-        </p:nvSpPr>
-        <p:spPr>
-          <a:xfrm>
-            <a:off x="512100" y="4520775"/>
-            <a:ext cx="8119800" cy="572700"/>
-          </a:xfrm>
-          <a:prstGeom prst="rect">
-            <a:avLst/>
-          </a:prstGeom>
-          <a:noFill/>
-          <a:ln>
-            <a:noFill/>
-          </a:ln>
-        </p:spPr>
-        <p:txBody>
-          <a:bodyPr spcFirstLastPara="1" wrap="square" lIns="91425" tIns="91425" rIns="91425" bIns="91425" anchor="t" anchorCtr="0">
-            <a:normAutofit lnSpcReduction="10000"/>
-          </a:bodyPr>
-          <a:lstStyle/>
-          <a:p>
-            <a:pPr marL="0" lvl="0" indent="0" algn="ctr" rtl="0">
-              <a:lnSpc>
-                <a:spcPct val="115000"/>
-              </a:lnSpc>
-              <a:spcBef>
-                <a:spcPts val="0"/>
-              </a:spcBef>
-              <a:spcAft>
-                <a:spcPts val="1200"/>
-              </a:spcAft>
-              <a:buNone/>
-            </a:pPr>
-            <a:r>
-              <a:rPr lang="en">
-                <a:solidFill>
-                  <a:srgbClr val="000000"/>
-                </a:solidFill>
-              </a:rPr>
-              <a:t>Textbook Chapter</a:t>
-            </a:r>
-            <a:r>
-              <a:rPr lang="en"/>
-              <a:t> 14</a:t>
-            </a:r>
-            <a:endParaRPr>
-              <a:solidFill>
-                <a:srgbClr val="000000"/>
-              </a:solidFill>
-            </a:endParaRPr>
-          </a:p>
-        </p:txBody>
-      </p:sp>
     </p:spTree>
   </p:cSld>
   <p:clrMapOvr>
@@ -25664,33 +25537,6 @@
           <a:chExt cx="0" cy="0"/>
         </a:xfrm>
       </p:grpSpPr>
-      <p:pic>
-        <p:nvPicPr>
-          <p:cNvPr id="260" name="Google Shape;260;p44"/>
-          <p:cNvPicPr preferRelativeResize="0"/>
-          <p:nvPr/>
-        </p:nvPicPr>
-        <p:blipFill rotWithShape="1">
-          <a:blip r:embed="rId3">
-            <a:alphaModFix/>
-          </a:blip>
-          <a:srcRect/>
-          <a:stretch/>
-        </p:blipFill>
-        <p:spPr>
-          <a:xfrm>
-            <a:off x="2677825" y="2777975"/>
-            <a:ext cx="4083801" cy="2365526"/>
-          </a:xfrm>
-          <a:prstGeom prst="rect">
-            <a:avLst/>
-          </a:prstGeom>
-          <a:noFill/>
-          <a:ln>
-            <a:noFill/>
-          </a:ln>
-        </p:spPr>
-      </p:pic>
       <p:sp>
         <p:nvSpPr>
           <p:cNvPr id="261" name="Google Shape;261;p44"/>
@@ -36708,7 +36554,7 @@
         </p:nvGraphicFramePr>
         <p:xfrm>
           <a:off x="4426925" y="1279335"/>
-          <a:ext cx="3000000" cy="3000000"/>
+          <a:ext cx="3971400" cy="3611800"/>
         </p:xfrm>
         <a:graphic>
           <a:graphicData uri="http://schemas.openxmlformats.org/drawingml/2006/table">
@@ -39666,7 +39512,7 @@
         </p:nvGraphicFramePr>
         <p:xfrm>
           <a:off x="288475" y="1431735"/>
-          <a:ext cx="3000000" cy="3000000"/>
+          <a:ext cx="8567050" cy="1612940"/>
         </p:xfrm>
         <a:graphic>
           <a:graphicData uri="http://schemas.openxmlformats.org/drawingml/2006/table">
@@ -40338,7 +40184,7 @@
         </p:nvGraphicFramePr>
         <p:xfrm>
           <a:off x="288475" y="1431735"/>
-          <a:ext cx="3000000" cy="3000000"/>
+          <a:ext cx="8567050" cy="2883320"/>
         </p:xfrm>
         <a:graphic>
           <a:graphicData uri="http://schemas.openxmlformats.org/drawingml/2006/table">
@@ -41089,7 +40935,7 @@
         </p:nvGraphicFramePr>
         <p:xfrm>
           <a:off x="288475" y="1431735"/>
-          <a:ext cx="3000000" cy="3000000"/>
+          <a:ext cx="8567050" cy="2307155"/>
         </p:xfrm>
         <a:graphic>
           <a:graphicData uri="http://schemas.openxmlformats.org/drawingml/2006/table">
@@ -41871,7 +41717,7 @@
         </p:nvGraphicFramePr>
         <p:xfrm>
           <a:off x="288475" y="1431735"/>
-          <a:ext cx="3000000" cy="3000000"/>
+          <a:ext cx="8567050" cy="1676855"/>
         </p:xfrm>
         <a:graphic>
           <a:graphicData uri="http://schemas.openxmlformats.org/drawingml/2006/table">
@@ -42576,7 +42422,7 @@
         </p:nvGraphicFramePr>
         <p:xfrm>
           <a:off x="288475" y="1203135"/>
-          <a:ext cx="3000000" cy="3000000"/>
+          <a:ext cx="8567050" cy="3698660"/>
         </p:xfrm>
         <a:graphic>
           <a:graphicData uri="http://schemas.openxmlformats.org/drawingml/2006/table">
@@ -43392,7 +43238,7 @@
         </p:nvGraphicFramePr>
         <p:xfrm>
           <a:off x="288475" y="1431735"/>
-          <a:ext cx="3000000" cy="3000000"/>
+          <a:ext cx="8567050" cy="1581745"/>
         </p:xfrm>
         <a:graphic>
           <a:graphicData uri="http://schemas.openxmlformats.org/drawingml/2006/table">

--- a/teaching/ITIS6200/2023fa/lectures/lec07.pptx
+++ b/teaching/ITIS6200/2023fa/lectures/lec07.pptx
@@ -20072,10 +20072,10 @@
               <a:buChar char="●"/>
             </a:pPr>
             <a:r>
-              <a:rPr lang="en"/>
+              <a:rPr lang="en" dirty="0"/>
               <a:t>Public-key cryptography: Two keys; one undoes the other</a:t>
             </a:r>
-            <a:endParaRPr/>
+            <a:endParaRPr dirty="0"/>
           </a:p>
           <a:p>
             <a:pPr marL="457200" lvl="0" indent="-342900" algn="l" rtl="0">
@@ -20089,10 +20089,10 @@
               <a:buChar char="●"/>
             </a:pPr>
             <a:r>
-              <a:rPr lang="en"/>
+              <a:rPr lang="en" dirty="0"/>
               <a:t>Public-key encryption: One key encrypts, the other decrypts</a:t>
             </a:r>
-            <a:endParaRPr/>
+            <a:endParaRPr dirty="0"/>
           </a:p>
           <a:p>
             <a:pPr marL="914400" lvl="1" indent="-317500" algn="l" rtl="0">
@@ -20106,10 +20106,10 @@
               <a:buChar char="○"/>
             </a:pPr>
             <a:r>
-              <a:rPr lang="en"/>
+              <a:rPr lang="en" dirty="0"/>
               <a:t>Security properties similar to symmetric encryption</a:t>
             </a:r>
-            <a:endParaRPr/>
+            <a:endParaRPr dirty="0"/>
           </a:p>
           <a:p>
             <a:pPr marL="914400" lvl="1" indent="-317500" algn="l" rtl="0">
@@ -20123,10 +20123,50 @@
               <a:buChar char="○"/>
             </a:pPr>
             <a:r>
-              <a:rPr lang="en"/>
-              <a:t>ElGamal: Based on Diffie-Hellman</a:t>
-            </a:r>
-            <a:endParaRPr/>
+              <a:rPr lang="en" dirty="0"/>
+              <a:t>RSA: Produce a pair </a:t>
+            </a:r>
+            <a:r>
+              <a:rPr lang="en" i="1" dirty="0"/>
+              <a:t>e</a:t>
+            </a:r>
+            <a:r>
+              <a:rPr lang="en" dirty="0"/>
+              <a:t> and </a:t>
+            </a:r>
+            <a:r>
+              <a:rPr lang="en" i="1" dirty="0"/>
+              <a:t>d</a:t>
+            </a:r>
+            <a:r>
+              <a:rPr lang="en" dirty="0"/>
+              <a:t> such that </a:t>
+            </a:r>
+            <a:r>
+              <a:rPr lang="en" i="1" dirty="0"/>
+              <a:t>M</a:t>
+            </a:r>
+            <a:r>
+              <a:rPr lang="en" i="1" baseline="30000" dirty="0"/>
+              <a:t>ed</a:t>
+            </a:r>
+            <a:r>
+              <a:rPr lang="en" dirty="0"/>
+              <a:t> = </a:t>
+            </a:r>
+            <a:r>
+              <a:rPr lang="en" i="1" dirty="0"/>
+              <a:t>M</a:t>
+            </a:r>
+            <a:r>
+              <a:rPr lang="en" dirty="0"/>
+              <a:t> mod </a:t>
+            </a:r>
+            <a:r>
+              <a:rPr lang="en" i="1" dirty="0"/>
+              <a:t>N</a:t>
+            </a:r>
+            <a:endParaRPr dirty="0"/>
           </a:p>
           <a:p>
             <a:pPr marL="1371600" lvl="2" indent="-317500" algn="l" rtl="0">
@@ -20140,63 +20180,44 @@
               <a:buChar char="■"/>
             </a:pPr>
             <a:r>
-              <a:rPr lang="en"/>
-              <a:t>The public key is </a:t>
-            </a:r>
-            <a:r>
-              <a:rPr lang="en" i="1"/>
-              <a:t>g</a:t>
-            </a:r>
-            <a:r>
-              <a:rPr lang="en" i="1" baseline="30000"/>
-              <a:t>b</a:t>
-            </a:r>
-            <a:r>
-              <a:rPr lang="en"/>
-              <a:t>, and </a:t>
-            </a:r>
-            <a:r>
-              <a:rPr lang="en" i="1"/>
-              <a:t>C</a:t>
-            </a:r>
-            <a:r>
-              <a:rPr lang="en" sz="900"/>
-              <a:t>1</a:t>
-            </a:r>
-            <a:r>
-              <a:rPr lang="en"/>
-              <a:t> is </a:t>
-            </a:r>
-            <a:r>
-              <a:rPr lang="en" i="1"/>
-              <a:t>g</a:t>
-            </a:r>
-            <a:r>
-              <a:rPr lang="en" i="1" baseline="30000"/>
-              <a:t>r</a:t>
-            </a:r>
-            <a:r>
-              <a:rPr lang="en"/>
-              <a:t>.</a:t>
-            </a:r>
-            <a:endParaRPr/>
-          </a:p>
-          <a:p>
-            <a:pPr marL="1371600" lvl="2" indent="-317500" algn="l" rtl="0">
-              <a:spcBef>
-                <a:spcPts val="0"/>
-              </a:spcBef>
-              <a:spcAft>
-                <a:spcPts val="0"/>
-              </a:spcAft>
-              <a:buSzPts val="1400"/>
-              <a:buChar char="■"/>
-            </a:pPr>
-            <a:r>
-              <a:rPr lang="en"/>
+              <a:rPr lang="en" dirty="0"/>
               <a:t>Not IND-CPA secure on its own</a:t>
             </a:r>
-            <a:endParaRPr/>
+            <a:endParaRPr dirty="0"/>
+          </a:p>
+          <a:p>
+            <a:pPr marL="457200" lvl="0" indent="-342900" algn="l" rtl="0">
+              <a:spcBef>
+                <a:spcPts val="0"/>
+              </a:spcBef>
+              <a:spcAft>
+                <a:spcPts val="0"/>
+              </a:spcAft>
+              <a:buSzPts val="1800"/>
+              <a:buChar char="●"/>
+            </a:pPr>
+            <a:r>
+              <a:rPr lang="en" dirty="0"/>
+              <a:t>Hybrid encryption: Encrypt a symmetric key, and use the symmetric key to encrypt the message</a:t>
+            </a:r>
+            <a:endParaRPr dirty="0"/>
+          </a:p>
+          <a:p>
+            <a:pPr marL="457200" lvl="0" indent="-342900" algn="l" rtl="0">
+              <a:spcBef>
+                <a:spcPts val="0"/>
+              </a:spcBef>
+              <a:spcAft>
+                <a:spcPts val="0"/>
+              </a:spcAft>
+              <a:buSzPts val="1800"/>
+              <a:buChar char="●"/>
+            </a:pPr>
+            <a:r>
+              <a:rPr lang="en" dirty="0"/>
+              <a:t>Digital signatures: Integrity and authenticity for asymmetric schemes</a:t>
+            </a:r>
+            <a:endParaRPr dirty="0"/>
           </a:p>
           <a:p>
             <a:pPr marL="914400" lvl="1" indent="-317500" algn="l" rtl="0">
@@ -20210,118 +20231,10 @@
               <a:buChar char="○"/>
             </a:pPr>
             <a:r>
-              <a:rPr lang="en"/>
-              <a:t>RSA: Produce a pair </a:t>
-            </a:r>
-            <a:r>
-              <a:rPr lang="en" i="1"/>
-              <a:t>e</a:t>
-            </a:r>
-            <a:r>
-              <a:rPr lang="en"/>
-              <a:t> and </a:t>
-            </a:r>
-            <a:r>
-              <a:rPr lang="en" i="1"/>
-              <a:t>d</a:t>
-            </a:r>
-            <a:r>
-              <a:rPr lang="en"/>
-              <a:t> such that </a:t>
-            </a:r>
-            <a:r>
-              <a:rPr lang="en" i="1"/>
-              <a:t>M</a:t>
-            </a:r>
-            <a:r>
-              <a:rPr lang="en" i="1" baseline="30000"/>
-              <a:t>ed</a:t>
-            </a:r>
-            <a:r>
-              <a:rPr lang="en"/>
-              <a:t> = </a:t>
-            </a:r>
-            <a:r>
-              <a:rPr lang="en" i="1"/>
-              <a:t>M</a:t>
-            </a:r>
-            <a:r>
-              <a:rPr lang="en"/>
-              <a:t> mod </a:t>
-            </a:r>
-            <a:r>
-              <a:rPr lang="en" i="1"/>
-              <a:t>N</a:t>
-            </a:r>
-            <a:endParaRPr/>
-          </a:p>
-          <a:p>
-            <a:pPr marL="1371600" lvl="2" indent="-317500" algn="l" rtl="0">
-              <a:spcBef>
-                <a:spcPts val="0"/>
-              </a:spcBef>
-              <a:spcAft>
-                <a:spcPts val="0"/>
-              </a:spcAft>
-              <a:buSzPts val="1400"/>
-              <a:buChar char="■"/>
-            </a:pPr>
-            <a:r>
-              <a:rPr lang="en"/>
-              <a:t>Not IND-CPA secure on its own</a:t>
-            </a:r>
-            <a:endParaRPr/>
-          </a:p>
-          <a:p>
-            <a:pPr marL="457200" lvl="0" indent="-342900" algn="l" rtl="0">
-              <a:spcBef>
-                <a:spcPts val="0"/>
-              </a:spcBef>
-              <a:spcAft>
-                <a:spcPts val="0"/>
-              </a:spcAft>
-              <a:buSzPts val="1800"/>
-              <a:buChar char="●"/>
-            </a:pPr>
-            <a:r>
-              <a:rPr lang="en"/>
-              <a:t>Hybrid encryption: Encrypt a symmetric key, and use the symmetric key to encrypt the message</a:t>
-            </a:r>
-            <a:endParaRPr/>
-          </a:p>
-          <a:p>
-            <a:pPr marL="457200" lvl="0" indent="-342900" algn="l" rtl="0">
-              <a:spcBef>
-                <a:spcPts val="0"/>
-              </a:spcBef>
-              <a:spcAft>
-                <a:spcPts val="0"/>
-              </a:spcAft>
-              <a:buSzPts val="1800"/>
-              <a:buChar char="●"/>
-            </a:pPr>
-            <a:r>
-              <a:rPr lang="en"/>
-              <a:t>Digital signatures: Integrity and authenticity for asymmetric schemes</a:t>
-            </a:r>
-            <a:endParaRPr/>
-          </a:p>
-          <a:p>
-            <a:pPr marL="914400" lvl="1" indent="-317500" algn="l" rtl="0">
-              <a:spcBef>
-                <a:spcPts val="0"/>
-              </a:spcBef>
-              <a:spcAft>
-                <a:spcPts val="0"/>
-              </a:spcAft>
-              <a:buSzPts val="1400"/>
-              <a:buChar char="○"/>
-            </a:pPr>
-            <a:r>
-              <a:rPr lang="en"/>
+              <a:rPr lang="en" dirty="0"/>
               <a:t>RSA: Same as RSA encryption, but encrypt the hash with the private key</a:t>
             </a:r>
-            <a:endParaRPr/>
+            <a:endParaRPr dirty="0"/>
           </a:p>
         </p:txBody>
       </p:sp>
@@ -31475,63 +31388,6 @@
               <a:t>Certificates</a:t>
             </a:r>
             <a:endParaRPr/>
-          </a:p>
-        </p:txBody>
-      </p:sp>
-      <p:sp>
-        <p:nvSpPr>
-          <p:cNvPr id="86" name="Google Shape;86;p18"/>
-          <p:cNvSpPr txBox="1"/>
-          <p:nvPr/>
-        </p:nvSpPr>
-        <p:spPr>
-          <a:xfrm>
-            <a:off x="512100" y="4520775"/>
-            <a:ext cx="8119800" cy="572700"/>
-          </a:xfrm>
-          <a:prstGeom prst="rect">
-            <a:avLst/>
-          </a:prstGeom>
-          <a:noFill/>
-          <a:ln>
-            <a:noFill/>
-          </a:ln>
-        </p:spPr>
-        <p:txBody>
-          <a:bodyPr spcFirstLastPara="1" wrap="square" lIns="91425" tIns="91425" rIns="91425" bIns="91425" anchor="t" anchorCtr="0">
-            <a:normAutofit lnSpcReduction="10000"/>
-          </a:bodyPr>
-          <a:lstStyle/>
-          <a:p>
-            <a:pPr marL="0" lvl="0" indent="0" algn="ctr" rtl="0">
-              <a:lnSpc>
-                <a:spcPct val="115000"/>
-              </a:lnSpc>
-              <a:spcBef>
-                <a:spcPts val="0"/>
-              </a:spcBef>
-              <a:spcAft>
-                <a:spcPts val="1200"/>
-              </a:spcAft>
-              <a:buNone/>
-            </a:pPr>
-            <a:r>
-              <a:rPr lang="en">
-                <a:solidFill>
-                  <a:srgbClr val="000000"/>
-                </a:solidFill>
-              </a:rPr>
-              <a:t>Textbook Chapter</a:t>
-            </a:r>
-            <a:r>
-              <a:rPr lang="en"/>
-              <a:t> 13</a:t>
-            </a:r>
-            <a:endParaRPr>
-              <a:solidFill>
-                <a:srgbClr val="000000"/>
-              </a:solidFill>
-            </a:endParaRPr>
           </a:p>
         </p:txBody>
       </p:sp>

--- a/teaching/ITIS6200/2023fa/lectures/lec07.pptx
+++ b/teaching/ITIS6200/2023fa/lectures/lec07.pptx
@@ -5,7 +5,7 @@
     <p:sldMasterId id="2147483661" r:id="rId1"/>
   </p:sldMasterIdLst>
   <p:notesMasterIdLst>
-    <p:notesMasterId r:id="rId60"/>
+    <p:notesMasterId r:id="rId59"/>
   </p:notesMasterIdLst>
   <p:sldIdLst>
     <p:sldId id="256" r:id="rId2"/>
@@ -64,8 +64,7 @@
     <p:sldId id="309" r:id="rId55"/>
     <p:sldId id="310" r:id="rId56"/>
     <p:sldId id="311" r:id="rId57"/>
-    <p:sldId id="312" r:id="rId58"/>
-    <p:sldId id="313" r:id="rId59"/>
+    <p:sldId id="313" r:id="rId58"/>
   </p:sldIdLst>
   <p:sldSz cx="9144000" cy="5143500" type="screen16x9"/>
   <p:notesSz cx="6858000" cy="9144000"/>
@@ -891,7 +890,7 @@
         </p:nvSpPr>
         <p:spPr>
           <a:xfrm>
-            <a:off x="381300" y="685800"/>
+            <a:off x="381000" y="685800"/>
             <a:ext cx="6096000" cy="3429000"/>
           </a:xfrm>
           <a:custGeom>
@@ -955,10 +954,24 @@
               <a:buNone/>
             </a:pPr>
             <a:r>
-              <a:rPr lang="en"/>
-              <a:t>Ask: Why not just Sign</a:t>
-            </a:r>
-            <a:endParaRPr/>
+              <a:rPr lang="en-US" b="0" i="0" u="sng" dirty="0">
+                <a:effectLst/>
+                <a:latin typeface="Nunito" panose="020F0502020204030204" pitchFamily="34" charset="0"/>
+                <a:hlinkClick r:id="rId3"/>
+              </a:rPr>
+              <a:t>Digital certificates</a:t>
+            </a:r>
+            <a:r>
+              <a:rPr lang="en-US" b="0" i="0" dirty="0">
+                <a:solidFill>
+                  <a:srgbClr val="273239"/>
+                </a:solidFill>
+                <a:effectLst/>
+                <a:latin typeface="Nunito" pitchFamily="2" charset="77"/>
+              </a:rPr>
+              <a:t> are files that are used to verify who has a public key, often known as identity certificates or public key certificates. A Certificate Authority issues TLS certificates, a sort of digital certificate (CA). The certificate is signed by the CA, attesting to the fact that they have confirmed it belongs to the people who hold the domain name that is the subject of the certificate.</a:t>
+            </a:r>
+            <a:endParaRPr dirty="0"/>
           </a:p>
         </p:txBody>
       </p:sp>
@@ -1211,7 +1224,7 @@
         </p:nvSpPr>
         <p:spPr>
           <a:xfrm>
-            <a:off x="381300" y="685800"/>
+            <a:off x="381000" y="685800"/>
             <a:ext cx="6096000" cy="3429000"/>
           </a:xfrm>
           <a:custGeom>
@@ -1265,6 +1278,32 @@
           </a:bodyPr>
           <a:lstStyle/>
           <a:p>
+            <a:pPr algn="l"/>
+            <a:r>
+              <a:rPr lang="en-US" b="0" i="0" dirty="0">
+                <a:solidFill>
+                  <a:srgbClr val="1F1F1F"/>
+                </a:solidFill>
+                <a:effectLst/>
+                <a:latin typeface="Google Sans Text"/>
+              </a:rPr>
+              <a:t>When you go to a site that uses HTTPS (connection security), the website's server uses a certificate to prove the website's identity to browsers, like Chrome. Anyone can create a certificate claiming to be whatever website they want.</a:t>
+            </a:r>
+          </a:p>
+          <a:p>
+            <a:pPr algn="l"/>
+            <a:r>
+              <a:rPr lang="en-US" b="0" i="0" dirty="0">
+                <a:solidFill>
+                  <a:srgbClr val="1F1F1F"/>
+                </a:solidFill>
+                <a:effectLst/>
+                <a:latin typeface="Google Sans Text"/>
+              </a:rPr>
+              <a:t>To help you stay on safe on the web, Chrome requires websites to use certificates from trusted organizations.</a:t>
+            </a:r>
+          </a:p>
+          <a:p>
             <a:pPr marL="0" lvl="0" indent="0" algn="l" rtl="0">
               <a:spcBef>
                 <a:spcPts val="0"/>
@@ -1274,7 +1313,213 @@
               </a:spcAft>
               <a:buNone/>
             </a:pPr>
-            <a:endParaRPr/>
+            <a:endParaRPr lang="en-US" dirty="0"/>
+          </a:p>
+          <a:p>
+            <a:pPr marL="0" lvl="0" indent="0" algn="l" rtl="0">
+              <a:spcBef>
+                <a:spcPts val="0"/>
+              </a:spcBef>
+              <a:spcAft>
+                <a:spcPts val="0"/>
+              </a:spcAft>
+              <a:buNone/>
+            </a:pPr>
+            <a:r>
+              <a:rPr lang="en-US" dirty="0"/>
+              <a:t>Demo here: google check ….</a:t>
+            </a:r>
+          </a:p>
+          <a:p>
+            <a:pPr marL="0" lvl="0" indent="0" algn="l" rtl="0">
+              <a:spcBef>
+                <a:spcPts val="0"/>
+              </a:spcBef>
+              <a:spcAft>
+                <a:spcPts val="0"/>
+              </a:spcAft>
+              <a:buNone/>
+            </a:pPr>
+            <a:r>
+              <a:rPr lang="en-US" dirty="0"/>
+              <a:t>https://</a:t>
+            </a:r>
+            <a:r>
+              <a:rPr lang="en-US" dirty="0" err="1"/>
+              <a:t>cci.charlotte.edu</a:t>
+            </a:r>
+            <a:r>
+              <a:rPr lang="en-US" dirty="0"/>
+              <a:t>/sis-faculty/</a:t>
+            </a:r>
+          </a:p>
+          <a:p>
+            <a:pPr marL="0" lvl="0" indent="0" algn="l" rtl="0">
+              <a:spcBef>
+                <a:spcPts val="0"/>
+              </a:spcBef>
+              <a:spcAft>
+                <a:spcPts val="0"/>
+              </a:spcAft>
+              <a:buNone/>
+            </a:pPr>
+            <a:endParaRPr lang="en-US" dirty="0"/>
+          </a:p>
+          <a:p>
+            <a:pPr algn="l"/>
+            <a:r>
+              <a:rPr lang="en-US" b="0" i="0" dirty="0">
+                <a:solidFill>
+                  <a:srgbClr val="202124"/>
+                </a:solidFill>
+                <a:effectLst/>
+                <a:latin typeface="Google Sans"/>
+              </a:rPr>
+              <a:t>What is an </a:t>
+            </a:r>
+            <a:r>
+              <a:rPr lang="en-US" b="0" i="0" dirty="0" err="1">
+                <a:solidFill>
+                  <a:srgbClr val="202124"/>
+                </a:solidFill>
+                <a:effectLst/>
+                <a:latin typeface="Google Sans"/>
+              </a:rPr>
+              <a:t>InCommon</a:t>
+            </a:r>
+            <a:r>
+              <a:rPr lang="en-US" b="0" i="0" dirty="0">
+                <a:solidFill>
+                  <a:srgbClr val="202124"/>
+                </a:solidFill>
+                <a:effectLst/>
+                <a:latin typeface="Google Sans"/>
+              </a:rPr>
+              <a:t> certificate?</a:t>
+            </a:r>
+            <a:endParaRPr lang="en-US" b="0" i="0" dirty="0">
+              <a:solidFill>
+                <a:srgbClr val="202124"/>
+              </a:solidFill>
+              <a:effectLst/>
+              <a:latin typeface="Roboto" panose="020F0502020204030204" pitchFamily="34" charset="0"/>
+            </a:endParaRPr>
+          </a:p>
+          <a:p>
+            <a:pPr algn="l"/>
+            <a:r>
+              <a:rPr lang="en-US" b="0" i="0" dirty="0">
+                <a:solidFill>
+                  <a:srgbClr val="4D5156"/>
+                </a:solidFill>
+                <a:effectLst/>
+                <a:latin typeface="Google Sans"/>
+              </a:rPr>
+              <a:t>The </a:t>
+            </a:r>
+            <a:r>
+              <a:rPr lang="en-US" b="0" i="0" dirty="0" err="1">
+                <a:solidFill>
+                  <a:srgbClr val="4D5156"/>
+                </a:solidFill>
+                <a:effectLst/>
+                <a:latin typeface="Google Sans"/>
+              </a:rPr>
+              <a:t>InCommon</a:t>
+            </a:r>
+            <a:r>
+              <a:rPr lang="en-US" b="0" i="0" dirty="0">
+                <a:solidFill>
+                  <a:srgbClr val="4D5156"/>
+                </a:solidFill>
+                <a:effectLst/>
+                <a:latin typeface="Google Sans"/>
+              </a:rPr>
+              <a:t> Certificate Service </a:t>
+            </a:r>
+            <a:r>
+              <a:rPr lang="en-US" b="0" i="0" dirty="0">
+                <a:solidFill>
+                  <a:srgbClr val="040C28"/>
+                </a:solidFill>
+                <a:effectLst/>
+                <a:latin typeface="Google Sans"/>
+              </a:rPr>
+              <a:t>provides unlimited certificates for US higher education for one fixed annual fee</a:t>
+            </a:r>
+            <a:r>
+              <a:rPr lang="en-US" b="0" i="0" dirty="0">
+                <a:solidFill>
+                  <a:srgbClr val="4D5156"/>
+                </a:solidFill>
+                <a:effectLst/>
+                <a:latin typeface="Google Sans"/>
+              </a:rPr>
+              <a:t>--including SSL, extended validation, client (personal), and code signing certificates. The program covers all of the domains owned or controlled by the institution (. </a:t>
+            </a:r>
+            <a:r>
+              <a:rPr lang="en-US" b="0" i="0" dirty="0" err="1">
+                <a:solidFill>
+                  <a:srgbClr val="4D5156"/>
+                </a:solidFill>
+                <a:effectLst/>
+                <a:latin typeface="Google Sans"/>
+              </a:rPr>
+              <a:t>edu</a:t>
+            </a:r>
+            <a:r>
+              <a:rPr lang="en-US" b="0" i="0" dirty="0">
+                <a:solidFill>
+                  <a:srgbClr val="4D5156"/>
+                </a:solidFill>
+                <a:effectLst/>
+                <a:latin typeface="Google Sans"/>
+              </a:rPr>
+              <a:t>, . net, . org, .com, and others).</a:t>
+            </a:r>
+            <a:endParaRPr lang="en-US" b="0" i="0" dirty="0">
+              <a:solidFill>
+                <a:srgbClr val="202124"/>
+              </a:solidFill>
+              <a:effectLst/>
+              <a:latin typeface="Roboto" panose="02000000000000000000" pitchFamily="2" charset="0"/>
+            </a:endParaRPr>
+          </a:p>
+          <a:p>
+            <a:pPr marL="0" lvl="0" indent="0" algn="l" rtl="0">
+              <a:spcBef>
+                <a:spcPts val="0"/>
+              </a:spcBef>
+              <a:spcAft>
+                <a:spcPts val="0"/>
+              </a:spcAft>
+              <a:buNone/>
+            </a:pPr>
+            <a:endParaRPr lang="en-US" dirty="0"/>
+          </a:p>
+          <a:p>
+            <a:pPr marL="0" lvl="0" indent="0" algn="l" rtl="0">
+              <a:spcBef>
+                <a:spcPts val="0"/>
+              </a:spcBef>
+              <a:spcAft>
+                <a:spcPts val="0"/>
+              </a:spcAft>
+              <a:buNone/>
+            </a:pPr>
+            <a:endParaRPr lang="en-US" dirty="0"/>
+          </a:p>
+          <a:p>
+            <a:pPr marL="0" lvl="0" indent="0" algn="l" rtl="0">
+              <a:spcBef>
+                <a:spcPts val="0"/>
+              </a:spcBef>
+              <a:spcAft>
+                <a:spcPts val="0"/>
+              </a:spcAft>
+              <a:buNone/>
+            </a:pPr>
+            <a:endParaRPr dirty="0"/>
           </a:p>
         </p:txBody>
       </p:sp>
@@ -2472,7 +2717,7 @@
         </p:nvSpPr>
         <p:spPr>
           <a:xfrm>
-            <a:off x="381300" y="685800"/>
+            <a:off x="381000" y="685800"/>
             <a:ext cx="6096000" cy="3429000"/>
           </a:xfrm>
           <a:custGeom>
@@ -2535,7 +2780,11 @@
               </a:spcAft>
               <a:buNone/>
             </a:pPr>
-            <a:endParaRPr/>
+            <a:r>
+              <a:rPr lang="en-US" dirty="0"/>
+              <a:t>https://auth0.com/blog/adding-salt-to-hashing-a-better-way-to-store-passwords/</a:t>
+            </a:r>
+            <a:endParaRPr dirty="0"/>
           </a:p>
         </p:txBody>
       </p:sp>
@@ -2639,7 +2888,7 @@
               </a:spcAft>
               <a:buNone/>
             </a:pPr>
-            <a:endParaRPr/>
+            <a:endParaRPr dirty="0"/>
           </a:p>
         </p:txBody>
       </p:sp>
@@ -3648,7 +3897,7 @@
         </p:nvSpPr>
         <p:spPr>
           <a:xfrm>
-            <a:off x="381300" y="685800"/>
+            <a:off x="381000" y="685800"/>
             <a:ext cx="6096000" cy="3429000"/>
           </a:xfrm>
           <a:custGeom>
@@ -3752,7 +4001,7 @@
         </p:nvSpPr>
         <p:spPr>
           <a:xfrm>
-            <a:off x="381300" y="685800"/>
+            <a:off x="381000" y="685800"/>
             <a:ext cx="6096000" cy="3429000"/>
           </a:xfrm>
           <a:custGeom>
@@ -3856,7 +4105,7 @@
         </p:nvSpPr>
         <p:spPr>
           <a:xfrm>
-            <a:off x="381300" y="685800"/>
+            <a:off x="381000" y="685800"/>
             <a:ext cx="6096000" cy="3429000"/>
           </a:xfrm>
           <a:custGeom>
@@ -3960,7 +4209,7 @@
         </p:nvSpPr>
         <p:spPr>
           <a:xfrm>
-            <a:off x="381300" y="685800"/>
+            <a:off x="381000" y="685800"/>
             <a:ext cx="6096000" cy="3429000"/>
           </a:xfrm>
           <a:custGeom>
@@ -4064,7 +4313,7 @@
         </p:nvSpPr>
         <p:spPr>
           <a:xfrm>
-            <a:off x="381300" y="685800"/>
+            <a:off x="381000" y="685800"/>
             <a:ext cx="6096000" cy="3429000"/>
           </a:xfrm>
           <a:custGeom>
@@ -4277,7 +4526,7 @@
         </p:nvSpPr>
         <p:spPr>
           <a:xfrm>
-            <a:off x="381300" y="685800"/>
+            <a:off x="381000" y="685800"/>
             <a:ext cx="6096000" cy="3429000"/>
           </a:xfrm>
           <a:custGeom>
@@ -4485,7 +4734,7 @@
         </p:nvSpPr>
         <p:spPr>
           <a:xfrm>
-            <a:off x="381300" y="685800"/>
+            <a:off x="381000" y="685800"/>
             <a:ext cx="6096000" cy="3429000"/>
           </a:xfrm>
           <a:custGeom>
@@ -4593,7 +4842,7 @@
         </p:nvSpPr>
         <p:spPr>
           <a:xfrm>
-            <a:off x="381300" y="685800"/>
+            <a:off x="381000" y="685800"/>
             <a:ext cx="6096000" cy="3429000"/>
           </a:xfrm>
           <a:custGeom>
@@ -6475,123 +6724,6 @@
 </file>
 
 <file path=ppt/notesSlides/notesSlide57.xml><?xml version="1.0" encoding="utf-8"?>
-<p:notes xmlns:a="http://schemas.openxmlformats.org/drawingml/2006/main" xmlns:r="http://schemas.openxmlformats.org/officeDocument/2006/relationships" xmlns:p="http://schemas.openxmlformats.org/presentationml/2006/main" showMasterSp="0" showMasterPhAnim="0">
-  <p:cSld>
-    <p:spTree>
-      <p:nvGrpSpPr>
-        <p:cNvPr id="1" name="Shape 434"/>
-        <p:cNvGrpSpPr/>
-        <p:nvPr/>
-      </p:nvGrpSpPr>
-      <p:grpSpPr>
-        <a:xfrm>
-          <a:off x="0" y="0"/>
-          <a:ext cx="0" cy="0"/>
-          <a:chOff x="0" y="0"/>
-          <a:chExt cx="0" cy="0"/>
-        </a:xfrm>
-      </p:grpSpPr>
-      <p:sp>
-        <p:nvSpPr>
-          <p:cNvPr id="435" name="Google Shape;435;g116395d6305_0_251:notes"/>
-          <p:cNvSpPr>
-            <a:spLocks noGrp="1" noRot="1" noChangeAspect="1"/>
-          </p:cNvSpPr>
-          <p:nvPr>
-            <p:ph type="sldImg" idx="2"/>
-          </p:nvPr>
-        </p:nvSpPr>
-        <p:spPr>
-          <a:xfrm>
-            <a:off x="381000" y="685800"/>
-            <a:ext cx="6096000" cy="3429000"/>
-          </a:xfrm>
-          <a:custGeom>
-            <a:avLst/>
-            <a:gdLst/>
-            <a:ahLst/>
-            <a:cxnLst/>
-            <a:rect l="l" t="t" r="r" b="b"/>
-            <a:pathLst>
-              <a:path w="120000" h="120000" extrusionOk="0">
-                <a:moveTo>
-                  <a:pt x="0" y="0"/>
-                </a:moveTo>
-                <a:lnTo>
-                  <a:pt x="120000" y="0"/>
-                </a:lnTo>
-                <a:lnTo>
-                  <a:pt x="120000" y="120000"/>
-                </a:lnTo>
-                <a:lnTo>
-                  <a:pt x="0" y="120000"/>
-                </a:lnTo>
-                <a:close/>
-              </a:path>
-            </a:pathLst>
-          </a:custGeom>
-        </p:spPr>
-      </p:sp>
-      <p:sp>
-        <p:nvSpPr>
-          <p:cNvPr id="436" name="Google Shape;436;g116395d6305_0_251:notes"/>
-          <p:cNvSpPr txBox="1">
-            <a:spLocks noGrp="1"/>
-          </p:cNvSpPr>
-          <p:nvPr>
-            <p:ph type="body" idx="1"/>
-          </p:nvPr>
-        </p:nvSpPr>
-        <p:spPr>
-          <a:xfrm>
-            <a:off x="685800" y="4343400"/>
-            <a:ext cx="5486400" cy="4114800"/>
-          </a:xfrm>
-          <a:prstGeom prst="rect">
-            <a:avLst/>
-          </a:prstGeom>
-        </p:spPr>
-        <p:txBody>
-          <a:bodyPr spcFirstLastPara="1" wrap="square" lIns="91425" tIns="91425" rIns="91425" bIns="91425" anchor="t" anchorCtr="0">
-            <a:noAutofit/>
-          </a:bodyPr>
-          <a:lstStyle/>
-          <a:p>
-            <a:pPr marL="0" lvl="0" indent="0" algn="l" rtl="0">
-              <a:spcBef>
-                <a:spcPts val="0"/>
-              </a:spcBef>
-              <a:spcAft>
-                <a:spcPts val="0"/>
-              </a:spcAft>
-              <a:buNone/>
-            </a:pPr>
-            <a:r>
-              <a:rPr lang="en" u="sng">
-                <a:solidFill>
-                  <a:schemeClr val="hlink"/>
-                </a:solidFill>
-                <a:hlinkClick r:id="rId3"/>
-              </a:rPr>
-              <a:t>https://twitter.com/ncweaver/status/1175518694534860800</a:t>
-            </a:r>
-            <a:r>
-              <a:rPr lang="en"/>
-              <a:t> </a:t>
-            </a:r>
-            <a:endParaRPr/>
-          </a:p>
-        </p:txBody>
-      </p:sp>
-    </p:spTree>
-  </p:cSld>
-  <p:clrMapOvr>
-    <a:masterClrMapping/>
-  </p:clrMapOvr>
-</p:notes>
-</file>
-
-<file path=ppt/notesSlides/notesSlide58.xml><?xml version="1.0" encoding="utf-8"?>
 <p:notes xmlns:a="http://schemas.openxmlformats.org/drawingml/2006/main" xmlns:r="http://schemas.openxmlformats.org/officeDocument/2006/relationships" xmlns:p="http://schemas.openxmlformats.org/presentationml/2006/main" showMasterSp="0" showMasterPhAnim="0">
   <p:cSld>
     <p:spTree>
@@ -13304,14 +13436,14 @@
               <a:buChar char="●"/>
             </a:pPr>
             <a:r>
-              <a:rPr lang="en" b="1"/>
+              <a:rPr lang="en" b="1" dirty="0"/>
               <a:t>Certificate</a:t>
             </a:r>
             <a:r>
-              <a:rPr lang="en"/>
+              <a:rPr lang="en" dirty="0"/>
               <a:t>: A signed endorsement of someone’s public key</a:t>
             </a:r>
-            <a:endParaRPr/>
+            <a:endParaRPr dirty="0"/>
           </a:p>
           <a:p>
             <a:pPr marL="914400" lvl="1" indent="-317500" algn="l" rtl="0">
@@ -13325,22 +13457,22 @@
               <a:buChar char="○"/>
             </a:pPr>
             <a:r>
-              <a:rPr lang="en"/>
+              <a:rPr lang="en" dirty="0"/>
               <a:t>A certificate contains at least two things: The </a:t>
             </a:r>
             <a:r>
-              <a:rPr lang="en" b="1"/>
+              <a:rPr lang="en" b="1" dirty="0"/>
               <a:t>identity</a:t>
             </a:r>
             <a:r>
-              <a:rPr lang="en"/>
+              <a:rPr lang="en" dirty="0"/>
               <a:t> of the person, and the </a:t>
             </a:r>
             <a:r>
-              <a:rPr lang="en" b="1"/>
+              <a:rPr lang="en" b="1" dirty="0"/>
               <a:t>key</a:t>
             </a:r>
-            <a:endParaRPr/>
+            <a:endParaRPr dirty="0"/>
           </a:p>
           <a:p>
             <a:pPr marL="457200" lvl="0" indent="-342900" algn="l" rtl="0">
@@ -13354,10 +13486,10 @@
               <a:buChar char="●"/>
             </a:pPr>
             <a:r>
-              <a:rPr lang="en"/>
+              <a:rPr lang="en" dirty="0"/>
               <a:t>Abbreviated notation</a:t>
             </a:r>
-            <a:endParaRPr/>
+            <a:endParaRPr dirty="0"/>
           </a:p>
           <a:p>
             <a:pPr marL="914400" lvl="1" indent="-317500" algn="l" rtl="0">
@@ -13371,22 +13503,22 @@
               <a:buChar char="○"/>
             </a:pPr>
             <a:r>
-              <a:rPr lang="en"/>
+              <a:rPr lang="en" dirty="0"/>
               <a:t>Encryption under a public key </a:t>
             </a:r>
             <a:r>
-              <a:rPr lang="en" i="1"/>
+              <a:rPr lang="en" i="1" dirty="0"/>
               <a:t>PK</a:t>
             </a:r>
             <a:r>
-              <a:rPr lang="en"/>
+              <a:rPr lang="en" dirty="0"/>
               <a:t>: {“Message”}</a:t>
             </a:r>
             <a:r>
-              <a:rPr lang="en" sz="1000" i="1"/>
+              <a:rPr lang="en" sz="1000" i="1" dirty="0"/>
               <a:t>PK</a:t>
             </a:r>
-            <a:endParaRPr sz="1500"/>
+            <a:endParaRPr sz="1500" dirty="0"/>
           </a:p>
           <a:p>
             <a:pPr marL="914400" lvl="1" indent="-317500" algn="l" rtl="0">
@@ -13400,26 +13532,26 @@
               <a:buChar char="○"/>
             </a:pPr>
             <a:r>
-              <a:rPr lang="en"/>
+              <a:rPr lang="en" dirty="0"/>
               <a:t>Signing with a private key </a:t>
             </a:r>
             <a:r>
-              <a:rPr lang="en" i="1"/>
+              <a:rPr lang="en" i="1" dirty="0"/>
               <a:t>SK</a:t>
             </a:r>
             <a:r>
-              <a:rPr lang="en"/>
+              <a:rPr lang="en" dirty="0"/>
               <a:t>: {“Message”}</a:t>
             </a:r>
             <a:r>
-              <a:rPr lang="en" sz="1000" i="1"/>
+              <a:rPr lang="en" sz="1000" i="1" dirty="0"/>
               <a:t>SK</a:t>
             </a:r>
             <a:r>
-              <a:rPr lang="en" sz="1000" baseline="30000"/>
+              <a:rPr lang="en" sz="1000" baseline="30000" dirty="0"/>
               <a:t>-1</a:t>
             </a:r>
-            <a:endParaRPr sz="1500"/>
+            <a:endParaRPr sz="1500" dirty="0"/>
           </a:p>
           <a:p>
             <a:pPr marL="1371600" lvl="2" indent="-317500" algn="l" rtl="0">
@@ -13433,10 +13565,10 @@
               <a:buChar char="■"/>
             </a:pPr>
             <a:r>
-              <a:rPr lang="en"/>
+              <a:rPr lang="en" dirty="0"/>
               <a:t>Recall: A signed message must contain the message along with the signature; you can’t send the signature by itself!</a:t>
             </a:r>
-            <a:endParaRPr/>
+            <a:endParaRPr dirty="0"/>
           </a:p>
           <a:p>
             <a:pPr marL="457200" lvl="0" indent="-342900" algn="l" rtl="0">
@@ -13450,34 +13582,34 @@
               <a:buChar char="●"/>
             </a:pPr>
             <a:r>
-              <a:rPr lang="en"/>
-              <a:t>Scenario: Alice wants Bob’s public key. Alice trusts EvanBot (</a:t>
-            </a:r>
-            <a:r>
-              <a:rPr lang="en" i="1"/>
+              <a:rPr lang="en" dirty="0"/>
+              <a:t>Scenario: Alice wants Bob’s public key. Alice trusts Chao(</a:t>
+            </a:r>
+            <a:r>
+              <a:rPr lang="en" i="1" dirty="0"/>
               <a:t>PK</a:t>
             </a:r>
             <a:r>
-              <a:rPr lang="en" sz="1200" i="1"/>
-              <a:t>E</a:t>
-            </a:r>
-            <a:r>
-              <a:rPr lang="en"/>
+              <a:rPr lang="en" sz="1200" i="1" dirty="0"/>
+              <a:t>C</a:t>
+            </a:r>
+            <a:r>
+              <a:rPr lang="en" dirty="0"/>
               <a:t>, </a:t>
             </a:r>
             <a:r>
-              <a:rPr lang="en" i="1"/>
+              <a:rPr lang="en" i="1" dirty="0"/>
               <a:t>SK</a:t>
             </a:r>
             <a:r>
-              <a:rPr lang="en" sz="1200" i="1"/>
-              <a:t>E</a:t>
-            </a:r>
-            <a:r>
-              <a:rPr lang="en"/>
+              <a:rPr lang="en" sz="1200" i="1" dirty="0"/>
+              <a:t>C</a:t>
+            </a:r>
+            <a:r>
+              <a:rPr lang="en" dirty="0"/>
               <a:t>)</a:t>
             </a:r>
-            <a:endParaRPr/>
+            <a:endParaRPr dirty="0"/>
           </a:p>
           <a:p>
             <a:pPr marL="914400" lvl="1" indent="-317500" algn="l" rtl="0">
@@ -13491,10 +13623,10 @@
               <a:buChar char="○"/>
             </a:pPr>
             <a:r>
-              <a:rPr lang="en"/>
-              <a:t>EvanBot is our trust anchor</a:t>
-            </a:r>
-            <a:endParaRPr/>
+              <a:rPr lang="en" dirty="0"/>
+              <a:t>Chao is our trust anchor</a:t>
+            </a:r>
+            <a:endParaRPr dirty="0"/>
           </a:p>
           <a:p>
             <a:pPr marL="914400" lvl="1" indent="-317500" algn="l" rtl="0">
@@ -13508,46 +13640,46 @@
               <a:buChar char="○"/>
             </a:pPr>
             <a:r>
-              <a:rPr lang="en"/>
+              <a:rPr lang="en" dirty="0"/>
               <a:t>If we trust </a:t>
             </a:r>
             <a:r>
-              <a:rPr lang="en" i="1"/>
+              <a:rPr lang="en" i="1" dirty="0"/>
               <a:t>PK</a:t>
             </a:r>
             <a:r>
-              <a:rPr lang="en" sz="900" i="1"/>
-              <a:t>E</a:t>
-            </a:r>
-            <a:r>
-              <a:rPr lang="en"/>
+              <a:rPr lang="en" sz="900" i="1" dirty="0"/>
+              <a:t>C</a:t>
+            </a:r>
+            <a:r>
+              <a:rPr lang="en" dirty="0"/>
               <a:t>, a certificate we would trust is {“Bob’s public key is </a:t>
             </a:r>
             <a:r>
-              <a:rPr lang="en" i="1"/>
+              <a:rPr lang="en" i="1" dirty="0"/>
               <a:t>PK</a:t>
             </a:r>
             <a:r>
-              <a:rPr lang="en" sz="900" i="1"/>
+              <a:rPr lang="en" sz="900" i="1" dirty="0"/>
               <a:t>B</a:t>
             </a:r>
             <a:r>
-              <a:rPr lang="en"/>
+              <a:rPr lang="en" dirty="0"/>
               <a:t>”}</a:t>
             </a:r>
             <a:r>
-              <a:rPr lang="en" sz="1000" i="1"/>
+              <a:rPr lang="en" sz="1000" i="1" dirty="0"/>
               <a:t>SK</a:t>
             </a:r>
             <a:r>
-              <a:rPr lang="en" sz="700" i="1"/>
-              <a:t>E</a:t>
-            </a:r>
-            <a:r>
-              <a:rPr lang="en" sz="1000" baseline="30000"/>
+              <a:rPr lang="en" sz="700" i="1" dirty="0"/>
+              <a:t>C</a:t>
+            </a:r>
+            <a:r>
+              <a:rPr lang="en" sz="1000" baseline="30000" dirty="0"/>
               <a:t>-1</a:t>
             </a:r>
-            <a:endParaRPr sz="1000" baseline="30000"/>
+            <a:endParaRPr sz="1000" baseline="30000" dirty="0"/>
           </a:p>
         </p:txBody>
       </p:sp>
@@ -14453,7 +14585,7 @@
             </a:pPr>
             <a:r>
               <a:rPr lang="en" dirty="0"/>
-              <a:t>We want Jian Xiang’s public key: Ask MD</a:t>
+              <a:t>We want Jian Xiang’s public key: Ask BC</a:t>
             </a:r>
             <a:endParaRPr dirty="0"/>
           </a:p>
@@ -14470,7 +14602,7 @@
             </a:pPr>
             <a:r>
               <a:rPr lang="en" dirty="0"/>
-              <a:t>We want David Wagner’s public key: Ask MD</a:t>
+              <a:t>We want David Wagner’s public key: Ask BC</a:t>
             </a:r>
             <a:endParaRPr dirty="0"/>
           </a:p>
@@ -14487,7 +14619,7 @@
             </a:pPr>
             <a:r>
               <a:rPr lang="en" dirty="0"/>
-              <a:t>We want Raluca Ada Popa’s public key: Ask MD</a:t>
+              <a:t>We want XXX’s public key: Ask BC</a:t>
             </a:r>
             <a:endParaRPr dirty="0"/>
           </a:p>
@@ -14504,7 +14636,7 @@
             </a:pPr>
             <a:r>
               <a:rPr lang="en" dirty="0"/>
-              <a:t>MD has better things to do (like making sure his private key isn’t stolen)!</a:t>
+              <a:t>BC has better things to do (like making sure his private key isn’t stolen)!</a:t>
             </a:r>
             <a:endParaRPr dirty="0"/>
           </a:p>
@@ -15288,10 +15420,10 @@
               <a:buChar char="●"/>
             </a:pPr>
             <a:r>
-              <a:rPr lang="en"/>
+              <a:rPr lang="en" dirty="0"/>
               <a:t>Addressing scalability: Hierarchical trust</a:t>
             </a:r>
-            <a:endParaRPr/>
+            <a:endParaRPr dirty="0"/>
           </a:p>
           <a:p>
             <a:pPr marL="914400" lvl="1" indent="-317500" algn="l" rtl="0">
@@ -15305,18 +15437,18 @@
               <a:buChar char="○"/>
             </a:pPr>
             <a:r>
-              <a:rPr lang="en"/>
+              <a:rPr lang="en" dirty="0"/>
               <a:t>The roots of trust may </a:t>
             </a:r>
             <a:r>
-              <a:rPr lang="en" b="1"/>
+              <a:rPr lang="en" b="1" dirty="0"/>
               <a:t>delegate</a:t>
             </a:r>
             <a:r>
-              <a:rPr lang="en"/>
+              <a:rPr lang="en" dirty="0"/>
               <a:t> trust and signing power to other authorities</a:t>
             </a:r>
-            <a:endParaRPr/>
+            <a:endParaRPr dirty="0"/>
           </a:p>
           <a:p>
             <a:pPr marL="1371600" lvl="2" indent="-317500" algn="l" rtl="0">
@@ -15330,34 +15462,34 @@
               <a:buChar char="■"/>
             </a:pPr>
             <a:r>
-              <a:rPr lang="en"/>
-              <a:t>{“Carol Christ’s public key is </a:t>
-            </a:r>
-            <a:r>
-              <a:rPr lang="en" i="1"/>
+              <a:rPr lang="en" dirty="0"/>
+              <a:t>{“Chao’s public key is </a:t>
+            </a:r>
+            <a:r>
+              <a:rPr lang="en" i="1" dirty="0"/>
               <a:t>PK</a:t>
             </a:r>
             <a:r>
-              <a:rPr lang="en" sz="900"/>
-              <a:t>CC</a:t>
-            </a:r>
-            <a:r>
-              <a:rPr lang="en"/>
-              <a:t>, and I trust her to sign for UCB”}</a:t>
-            </a:r>
-            <a:r>
-              <a:rPr lang="en" sz="900" i="1"/>
+              <a:rPr lang="en" sz="900" dirty="0"/>
+              <a:t>C</a:t>
+            </a:r>
+            <a:r>
+              <a:rPr lang="en" dirty="0"/>
+              <a:t>, and I trust her to sign for SIS”}</a:t>
+            </a:r>
+            <a:r>
+              <a:rPr lang="en" sz="900" i="1" dirty="0"/>
               <a:t>SK</a:t>
             </a:r>
             <a:r>
-              <a:rPr lang="en" sz="600"/>
-              <a:t>MD</a:t>
-            </a:r>
-            <a:r>
-              <a:rPr lang="en" sz="900" baseline="30000"/>
+              <a:rPr lang="en" sz="600" dirty="0"/>
+              <a:t>BC</a:t>
+            </a:r>
+            <a:r>
+              <a:rPr lang="en" sz="900" baseline="30000" dirty="0"/>
               <a:t>-1</a:t>
             </a:r>
-            <a:endParaRPr/>
+            <a:endParaRPr dirty="0"/>
           </a:p>
           <a:p>
             <a:pPr marL="1371600" lvl="2" indent="-317500" algn="l" rtl="0">
@@ -15371,34 +15503,34 @@
               <a:buChar char="■"/>
             </a:pPr>
             <a:r>
-              <a:rPr lang="en"/>
-              <a:t>{“Dave Wagner’s public key is </a:t>
-            </a:r>
-            <a:r>
-              <a:rPr lang="en" i="1"/>
+              <a:rPr lang="en" dirty="0"/>
+              <a:t>{“Jian’s public key is </a:t>
+            </a:r>
+            <a:r>
+              <a:rPr lang="en" i="1" dirty="0"/>
               <a:t>PK</a:t>
             </a:r>
             <a:r>
-              <a:rPr lang="en" sz="900"/>
-              <a:t>DW</a:t>
-            </a:r>
-            <a:r>
-              <a:rPr lang="en"/>
-              <a:t>, and I trust him to sign for the CS department”}</a:t>
-            </a:r>
-            <a:r>
-              <a:rPr lang="en" sz="900" i="1"/>
+              <a:rPr lang="en" sz="900" dirty="0"/>
+              <a:t>J</a:t>
+            </a:r>
+            <a:r>
+              <a:rPr lang="en" dirty="0"/>
+              <a:t>, and I trust him to sign for the junior faculties”}</a:t>
+            </a:r>
+            <a:r>
+              <a:rPr lang="en" sz="900" i="1" dirty="0"/>
               <a:t>SK</a:t>
             </a:r>
             <a:r>
-              <a:rPr lang="en" sz="600"/>
-              <a:t>CC</a:t>
-            </a:r>
-            <a:r>
-              <a:rPr lang="en" sz="900" baseline="30000"/>
+              <a:rPr lang="en" sz="600" dirty="0"/>
+              <a:t>C</a:t>
+            </a:r>
+            <a:r>
+              <a:rPr lang="en" sz="900" baseline="30000" dirty="0"/>
               <a:t>-1</a:t>
             </a:r>
-            <a:endParaRPr/>
+            <a:endParaRPr dirty="0"/>
           </a:p>
           <a:p>
             <a:pPr marL="1371600" lvl="2" indent="-317500" algn="l" rtl="0">
@@ -15412,34 +15544,34 @@
               <a:buChar char="■"/>
             </a:pPr>
             <a:r>
-              <a:rPr lang="en"/>
-              <a:t>{“Nick Weaver’s public key is </a:t>
-            </a:r>
-            <a:r>
-              <a:rPr lang="en" i="1"/>
+              <a:rPr lang="en" dirty="0"/>
+              <a:t>{“Mallory’s public key is </a:t>
+            </a:r>
+            <a:r>
+              <a:rPr lang="en" i="1" dirty="0"/>
               <a:t>PK</a:t>
             </a:r>
             <a:r>
-              <a:rPr lang="en" sz="900"/>
-              <a:t>NW</a:t>
-            </a:r>
-            <a:r>
-              <a:rPr lang="en"/>
-              <a:t> (but I don’t trust him to sign for anyone else)”}</a:t>
-            </a:r>
-            <a:r>
-              <a:rPr lang="en" sz="900" i="1"/>
+              <a:rPr lang="en" sz="900" dirty="0"/>
+              <a:t>M</a:t>
+            </a:r>
+            <a:r>
+              <a:rPr lang="en" dirty="0"/>
+              <a:t> (but I don’t trust she to sign for anyone else)”}</a:t>
+            </a:r>
+            <a:r>
+              <a:rPr lang="en" sz="900" i="1" dirty="0"/>
               <a:t>SK</a:t>
             </a:r>
             <a:r>
-              <a:rPr lang="en" sz="600"/>
-              <a:t>DW</a:t>
-            </a:r>
-            <a:r>
-              <a:rPr lang="en" sz="900" baseline="30000"/>
+              <a:rPr lang="en" sz="600" dirty="0"/>
+              <a:t>J</a:t>
+            </a:r>
+            <a:r>
+              <a:rPr lang="en" sz="900" baseline="30000" dirty="0"/>
               <a:t>-1</a:t>
             </a:r>
-            <a:endParaRPr/>
+            <a:endParaRPr dirty="0"/>
           </a:p>
           <a:p>
             <a:pPr marL="914400" lvl="1" indent="-317500" algn="l" rtl="0">
@@ -15453,26 +15585,26 @@
               <a:buChar char="○"/>
             </a:pPr>
             <a:r>
-              <a:rPr lang="en"/>
-              <a:t>MD is still the root of trust (</a:t>
-            </a:r>
-            <a:r>
-              <a:rPr lang="en" b="1"/>
+              <a:rPr lang="en" dirty="0"/>
+              <a:t>BC is still the root of trust (</a:t>
+            </a:r>
+            <a:r>
+              <a:rPr lang="en" b="1" dirty="0"/>
               <a:t>root certificate authority</a:t>
             </a:r>
             <a:r>
-              <a:rPr lang="en"/>
+              <a:rPr lang="en" dirty="0"/>
               <a:t>, or </a:t>
             </a:r>
             <a:r>
-              <a:rPr lang="en" b="1"/>
+              <a:rPr lang="en" b="1" dirty="0"/>
               <a:t>root CA</a:t>
             </a:r>
             <a:r>
-              <a:rPr lang="en"/>
+              <a:rPr lang="en" dirty="0"/>
               <a:t>)</a:t>
             </a:r>
-            <a:endParaRPr/>
+            <a:endParaRPr dirty="0"/>
           </a:p>
           <a:p>
             <a:pPr marL="914400" lvl="1" indent="-317500" algn="l" rtl="0">
@@ -15486,18 +15618,18 @@
               <a:buChar char="○"/>
             </a:pPr>
             <a:r>
-              <a:rPr lang="en"/>
-              <a:t>CC and DW receive delegated trust (</a:t>
-            </a:r>
-            <a:r>
-              <a:rPr lang="en" b="1"/>
+              <a:rPr lang="en" dirty="0"/>
+              <a:t>Chao and Jian receive delegated trust (</a:t>
+            </a:r>
+            <a:r>
+              <a:rPr lang="en" b="1" dirty="0"/>
               <a:t>intermediate CAs</a:t>
             </a:r>
             <a:r>
-              <a:rPr lang="en"/>
+              <a:rPr lang="en" dirty="0"/>
               <a:t>)</a:t>
             </a:r>
-            <a:endParaRPr/>
+            <a:endParaRPr dirty="0"/>
           </a:p>
           <a:p>
             <a:pPr marL="914400" lvl="1" indent="-317500" algn="l" rtl="0">
@@ -15511,10 +15643,10 @@
               <a:buChar char="○"/>
             </a:pPr>
             <a:r>
-              <a:rPr lang="en"/>
-              <a:t>NW’s identity can be trusted</a:t>
-            </a:r>
-            <a:endParaRPr/>
+              <a:rPr lang="en" dirty="0"/>
+              <a:t>M’s identity can be trusted</a:t>
+            </a:r>
+            <a:endParaRPr dirty="0"/>
           </a:p>
           <a:p>
             <a:pPr marL="457200" lvl="0" indent="-330200" algn="l" rtl="0">
@@ -15528,10 +15660,10 @@
               <a:buChar char="●"/>
             </a:pPr>
             <a:r>
-              <a:rPr lang="en" sz="1600"/>
+              <a:rPr lang="en" sz="1600" dirty="0"/>
               <a:t>Addressing scalability: Multiple trust anchors</a:t>
             </a:r>
-            <a:endParaRPr sz="1600"/>
+            <a:endParaRPr sz="1600" dirty="0"/>
           </a:p>
           <a:p>
             <a:pPr marL="914400" lvl="1" indent="-317500" algn="l" rtl="0">
@@ -15545,10 +15677,10 @@
               <a:buChar char="○"/>
             </a:pPr>
             <a:r>
-              <a:rPr lang="en"/>
+              <a:rPr lang="en" dirty="0"/>
               <a:t>There are ~150 root CAs who are implicitly trusted by most devices</a:t>
             </a:r>
-            <a:endParaRPr/>
+            <a:endParaRPr dirty="0"/>
           </a:p>
           <a:p>
             <a:pPr marL="914400" lvl="1" indent="-317500" algn="l" rtl="0">
@@ -15562,10 +15694,10 @@
               <a:buChar char="○"/>
             </a:pPr>
             <a:r>
-              <a:rPr lang="en"/>
+              <a:rPr lang="en" dirty="0"/>
               <a:t>Public keys are hard-coded into operating systems and devices</a:t>
             </a:r>
-            <a:endParaRPr/>
+            <a:endParaRPr dirty="0"/>
           </a:p>
           <a:p>
             <a:pPr marL="914400" lvl="1" indent="-317500" algn="l" rtl="0">
@@ -15579,10 +15711,10 @@
               <a:buChar char="○"/>
             </a:pPr>
             <a:r>
-              <a:rPr lang="en"/>
+              <a:rPr lang="en" dirty="0"/>
               <a:t>Each delegation step can restrict the scope of a certificate’s validity</a:t>
             </a:r>
-            <a:endParaRPr/>
+            <a:endParaRPr dirty="0"/>
           </a:p>
           <a:p>
             <a:pPr marL="914400" lvl="1" indent="-317500" algn="l" rtl="0">
@@ -15596,18 +15728,18 @@
               <a:buChar char="○"/>
             </a:pPr>
             <a:r>
-              <a:rPr lang="en"/>
+              <a:rPr lang="en" dirty="0"/>
               <a:t>Creating the certificates is an </a:t>
             </a:r>
             <a:r>
-              <a:rPr lang="en" i="1"/>
+              <a:rPr lang="en" i="1" dirty="0"/>
               <a:t>offline</a:t>
             </a:r>
             <a:r>
-              <a:rPr lang="en"/>
+              <a:rPr lang="en" dirty="0"/>
               <a:t> task: The certificate is created once in advance, and then served to users when requested</a:t>
             </a:r>
-            <a:endParaRPr/>
+            <a:endParaRPr dirty="0"/>
           </a:p>
         </p:txBody>
       </p:sp>
@@ -23708,10 +23840,10 @@
               <a:buChar char="●"/>
             </a:pPr>
             <a:r>
-              <a:rPr lang="en"/>
+              <a:rPr lang="en" dirty="0"/>
               <a:t>Solution #2: Use slower hashes</a:t>
             </a:r>
-            <a:endParaRPr/>
+            <a:endParaRPr dirty="0"/>
           </a:p>
           <a:p>
             <a:pPr marL="457200" lvl="0" indent="-342900" algn="l" rtl="0">
@@ -23725,10 +23857,10 @@
               <a:buChar char="●"/>
             </a:pPr>
             <a:r>
-              <a:rPr lang="en"/>
+              <a:rPr lang="en" dirty="0"/>
               <a:t>Cryptographic hashes are usually designed to be fast</a:t>
             </a:r>
-            <a:endParaRPr/>
+            <a:endParaRPr dirty="0"/>
           </a:p>
           <a:p>
             <a:pPr marL="914400" lvl="1" indent="-317500" algn="l" rtl="0">
@@ -23742,10 +23874,10 @@
               <a:buChar char="○"/>
             </a:pPr>
             <a:r>
-              <a:rPr lang="en"/>
+              <a:rPr lang="en" dirty="0"/>
               <a:t>SHA is designed to produce a checksum of your 1 GB document as fast as possible</a:t>
             </a:r>
-            <a:endParaRPr/>
+            <a:endParaRPr dirty="0"/>
           </a:p>
           <a:p>
             <a:pPr marL="457200" lvl="0" indent="-342900" algn="l" rtl="0">
@@ -23759,10 +23891,10 @@
               <a:buChar char="●"/>
             </a:pPr>
             <a:r>
-              <a:rPr lang="en"/>
+              <a:rPr lang="en" dirty="0"/>
               <a:t>Password hashes are usually designed to be slow</a:t>
             </a:r>
-            <a:endParaRPr/>
+            <a:endParaRPr dirty="0"/>
           </a:p>
           <a:p>
             <a:pPr marL="914400" lvl="1" indent="-317500" algn="l" rtl="0">
@@ -23776,10 +23908,10 @@
               <a:buChar char="○"/>
             </a:pPr>
             <a:r>
-              <a:rPr lang="en"/>
+              <a:rPr lang="en" dirty="0"/>
               <a:t>Legitimate users only need to submit a few password tries. Users won’t notice if it takes 0.0001 seconds or 0.1 seconds for the server to check a password.</a:t>
             </a:r>
-            <a:endParaRPr/>
+            <a:endParaRPr dirty="0"/>
           </a:p>
           <a:p>
             <a:pPr marL="914400" lvl="1" indent="-317500" algn="l" rtl="0">
@@ -23793,10 +23925,10 @@
               <a:buChar char="○"/>
             </a:pPr>
             <a:r>
-              <a:rPr lang="en"/>
+              <a:rPr lang="en" dirty="0"/>
               <a:t>Attackers need to compute millions of hashes. Using a slow hash can slow the attacker by a factor of 1,000 or more!</a:t>
             </a:r>
-            <a:endParaRPr/>
+            <a:endParaRPr dirty="0"/>
           </a:p>
           <a:p>
             <a:pPr marL="914400" lvl="1" indent="-317500" algn="l" rtl="0">
@@ -23810,10 +23942,10 @@
               <a:buChar char="○"/>
             </a:pPr>
             <a:r>
-              <a:rPr lang="en"/>
+              <a:rPr lang="en" dirty="0"/>
               <a:t>Note: We are not changing the asymptotic difficulty of attacks. We’re adding a large constant factor, which can have a huge practical impact for the attacker</a:t>
             </a:r>
-            <a:endParaRPr/>
+            <a:endParaRPr dirty="0"/>
           </a:p>
         </p:txBody>
       </p:sp>
@@ -23864,6 +23996,312 @@
   <p:clrMapOvr>
     <a:masterClrMapping/>
   </p:clrMapOvr>
+  <p:timing>
+    <p:tnLst>
+      <p:par>
+        <p:cTn id="1" dur="indefinite" restart="never" nodeType="tmRoot">
+          <p:childTnLst>
+            <p:seq concurrent="1" nextAc="seek">
+              <p:cTn id="2" dur="indefinite" nodeType="mainSeq">
+                <p:childTnLst>
+                  <p:par>
+                    <p:cTn id="3" fill="hold">
+                      <p:stCondLst>
+                        <p:cond delay="indefinite"/>
+                      </p:stCondLst>
+                      <p:childTnLst>
+                        <p:par>
+                          <p:cTn id="4" fill="hold">
+                            <p:stCondLst>
+                              <p:cond delay="0"/>
+                            </p:stCondLst>
+                            <p:childTnLst>
+                              <p:par>
+                                <p:cTn id="5" presetID="1" presetClass="entr" presetSubtype="0" fill="hold" nodeType="clickEffect">
+                                  <p:stCondLst>
+                                    <p:cond delay="0"/>
+                                  </p:stCondLst>
+                                  <p:childTnLst>
+                                    <p:set>
+                                      <p:cBhvr>
+                                        <p:cTn id="6" dur="1" fill="hold">
+                                          <p:stCondLst>
+                                            <p:cond delay="0"/>
+                                          </p:stCondLst>
+                                        </p:cTn>
+                                        <p:tgtEl>
+                                          <p:spTgt spid="235">
+                                            <p:txEl>
+                                              <p:pRg st="1" end="1"/>
+                                            </p:txEl>
+                                          </p:spTgt>
+                                        </p:tgtEl>
+                                        <p:attrNameLst>
+                                          <p:attrName>style.visibility</p:attrName>
+                                        </p:attrNameLst>
+                                      </p:cBhvr>
+                                      <p:to>
+                                        <p:strVal val="visible"/>
+                                      </p:to>
+                                    </p:set>
+                                  </p:childTnLst>
+                                </p:cTn>
+                              </p:par>
+                              <p:par>
+                                <p:cTn id="7" presetID="1" presetClass="entr" presetSubtype="0" fill="hold" nodeType="withEffect">
+                                  <p:stCondLst>
+                                    <p:cond delay="0"/>
+                                  </p:stCondLst>
+                                  <p:childTnLst>
+                                    <p:set>
+                                      <p:cBhvr>
+                                        <p:cTn id="8" dur="1" fill="hold">
+                                          <p:stCondLst>
+                                            <p:cond delay="0"/>
+                                          </p:stCondLst>
+                                        </p:cTn>
+                                        <p:tgtEl>
+                                          <p:spTgt spid="235">
+                                            <p:txEl>
+                                              <p:pRg st="2" end="2"/>
+                                            </p:txEl>
+                                          </p:spTgt>
+                                        </p:tgtEl>
+                                        <p:attrNameLst>
+                                          <p:attrName>style.visibility</p:attrName>
+                                        </p:attrNameLst>
+                                      </p:cBhvr>
+                                      <p:to>
+                                        <p:strVal val="visible"/>
+                                      </p:to>
+                                    </p:set>
+                                  </p:childTnLst>
+                                </p:cTn>
+                              </p:par>
+                            </p:childTnLst>
+                          </p:cTn>
+                        </p:par>
+                      </p:childTnLst>
+                    </p:cTn>
+                  </p:par>
+                  <p:par>
+                    <p:cTn id="9" fill="hold">
+                      <p:stCondLst>
+                        <p:cond delay="indefinite"/>
+                      </p:stCondLst>
+                      <p:childTnLst>
+                        <p:par>
+                          <p:cTn id="10" fill="hold">
+                            <p:stCondLst>
+                              <p:cond delay="0"/>
+                            </p:stCondLst>
+                            <p:childTnLst>
+                              <p:par>
+                                <p:cTn id="11" presetID="1" presetClass="entr" presetSubtype="0" fill="hold" nodeType="clickEffect">
+                                  <p:stCondLst>
+                                    <p:cond delay="0"/>
+                                  </p:stCondLst>
+                                  <p:childTnLst>
+                                    <p:set>
+                                      <p:cBhvr>
+                                        <p:cTn id="12" dur="1" fill="hold">
+                                          <p:stCondLst>
+                                            <p:cond delay="0"/>
+                                          </p:stCondLst>
+                                        </p:cTn>
+                                        <p:tgtEl>
+                                          <p:spTgt spid="235">
+                                            <p:txEl>
+                                              <p:pRg st="3" end="3"/>
+                                            </p:txEl>
+                                          </p:spTgt>
+                                        </p:tgtEl>
+                                        <p:attrNameLst>
+                                          <p:attrName>style.visibility</p:attrName>
+                                        </p:attrNameLst>
+                                      </p:cBhvr>
+                                      <p:to>
+                                        <p:strVal val="visible"/>
+                                      </p:to>
+                                    </p:set>
+                                  </p:childTnLst>
+                                </p:cTn>
+                              </p:par>
+                            </p:childTnLst>
+                          </p:cTn>
+                        </p:par>
+                      </p:childTnLst>
+                    </p:cTn>
+                  </p:par>
+                  <p:par>
+                    <p:cTn id="13" fill="hold">
+                      <p:stCondLst>
+                        <p:cond delay="indefinite"/>
+                      </p:stCondLst>
+                      <p:childTnLst>
+                        <p:par>
+                          <p:cTn id="14" fill="hold">
+                            <p:stCondLst>
+                              <p:cond delay="0"/>
+                            </p:stCondLst>
+                            <p:childTnLst>
+                              <p:par>
+                                <p:cTn id="15" presetID="1" presetClass="entr" presetSubtype="0" fill="hold" nodeType="clickEffect">
+                                  <p:stCondLst>
+                                    <p:cond delay="0"/>
+                                  </p:stCondLst>
+                                  <p:childTnLst>
+                                    <p:set>
+                                      <p:cBhvr>
+                                        <p:cTn id="16" dur="1" fill="hold">
+                                          <p:stCondLst>
+                                            <p:cond delay="0"/>
+                                          </p:stCondLst>
+                                        </p:cTn>
+                                        <p:tgtEl>
+                                          <p:spTgt spid="235">
+                                            <p:txEl>
+                                              <p:pRg st="4" end="4"/>
+                                            </p:txEl>
+                                          </p:spTgt>
+                                        </p:tgtEl>
+                                        <p:attrNameLst>
+                                          <p:attrName>style.visibility</p:attrName>
+                                        </p:attrNameLst>
+                                      </p:cBhvr>
+                                      <p:to>
+                                        <p:strVal val="visible"/>
+                                      </p:to>
+                                    </p:set>
+                                  </p:childTnLst>
+                                </p:cTn>
+                              </p:par>
+                            </p:childTnLst>
+                          </p:cTn>
+                        </p:par>
+                      </p:childTnLst>
+                    </p:cTn>
+                  </p:par>
+                  <p:par>
+                    <p:cTn id="17" fill="hold">
+                      <p:stCondLst>
+                        <p:cond delay="indefinite"/>
+                      </p:stCondLst>
+                      <p:childTnLst>
+                        <p:par>
+                          <p:cTn id="18" fill="hold">
+                            <p:stCondLst>
+                              <p:cond delay="0"/>
+                            </p:stCondLst>
+                            <p:childTnLst>
+                              <p:par>
+                                <p:cTn id="19" presetID="1" presetClass="entr" presetSubtype="0" fill="hold" nodeType="clickEffect">
+                                  <p:stCondLst>
+                                    <p:cond delay="0"/>
+                                  </p:stCondLst>
+                                  <p:childTnLst>
+                                    <p:set>
+                                      <p:cBhvr>
+                                        <p:cTn id="20" dur="1" fill="hold">
+                                          <p:stCondLst>
+                                            <p:cond delay="0"/>
+                                          </p:stCondLst>
+                                        </p:cTn>
+                                        <p:tgtEl>
+                                          <p:spTgt spid="235">
+                                            <p:txEl>
+                                              <p:pRg st="5" end="5"/>
+                                            </p:txEl>
+                                          </p:spTgt>
+                                        </p:tgtEl>
+                                        <p:attrNameLst>
+                                          <p:attrName>style.visibility</p:attrName>
+                                        </p:attrNameLst>
+                                      </p:cBhvr>
+                                      <p:to>
+                                        <p:strVal val="visible"/>
+                                      </p:to>
+                                    </p:set>
+                                  </p:childTnLst>
+                                </p:cTn>
+                              </p:par>
+                            </p:childTnLst>
+                          </p:cTn>
+                        </p:par>
+                      </p:childTnLst>
+                    </p:cTn>
+                  </p:par>
+                  <p:par>
+                    <p:cTn id="21" fill="hold">
+                      <p:stCondLst>
+                        <p:cond delay="indefinite"/>
+                      </p:stCondLst>
+                      <p:childTnLst>
+                        <p:par>
+                          <p:cTn id="22" fill="hold">
+                            <p:stCondLst>
+                              <p:cond delay="0"/>
+                            </p:stCondLst>
+                            <p:childTnLst>
+                              <p:par>
+                                <p:cTn id="23" presetID="1" presetClass="entr" presetSubtype="0" fill="hold" nodeType="clickEffect">
+                                  <p:stCondLst>
+                                    <p:cond delay="0"/>
+                                  </p:stCondLst>
+                                  <p:childTnLst>
+                                    <p:set>
+                                      <p:cBhvr>
+                                        <p:cTn id="24" dur="1" fill="hold">
+                                          <p:stCondLst>
+                                            <p:cond delay="0"/>
+                                          </p:stCondLst>
+                                        </p:cTn>
+                                        <p:tgtEl>
+                                          <p:spTgt spid="235">
+                                            <p:txEl>
+                                              <p:pRg st="6" end="6"/>
+                                            </p:txEl>
+                                          </p:spTgt>
+                                        </p:tgtEl>
+                                        <p:attrNameLst>
+                                          <p:attrName>style.visibility</p:attrName>
+                                        </p:attrNameLst>
+                                      </p:cBhvr>
+                                      <p:to>
+                                        <p:strVal val="visible"/>
+                                      </p:to>
+                                    </p:set>
+                                  </p:childTnLst>
+                                </p:cTn>
+                              </p:par>
+                            </p:childTnLst>
+                          </p:cTn>
+                        </p:par>
+                      </p:childTnLst>
+                    </p:cTn>
+                  </p:par>
+                </p:childTnLst>
+              </p:cTn>
+              <p:prevCondLst>
+                <p:cond evt="onPrev" delay="0">
+                  <p:tgtEl>
+                    <p:sldTgt/>
+                  </p:tgtEl>
+                </p:cond>
+              </p:prevCondLst>
+              <p:nextCondLst>
+                <p:cond evt="onNext" delay="0">
+                  <p:tgtEl>
+                    <p:sldTgt/>
+                  </p:tgtEl>
+                </p:cond>
+              </p:nextCondLst>
+            </p:seq>
+          </p:childTnLst>
+        </p:cTn>
+      </p:par>
+    </p:tnLst>
+  </p:timing>
 </p:sld>
 </file>
 
@@ -26834,7 +27272,7 @@
 </file>
 
 <file path=ppt/slides/slide34.xml><?xml version="1.0" encoding="utf-8"?>
-<p:sld xmlns:a="http://schemas.openxmlformats.org/drawingml/2006/main" xmlns:r="http://schemas.openxmlformats.org/officeDocument/2006/relationships" xmlns:p="http://schemas.openxmlformats.org/presentationml/2006/main">
+<p:sld xmlns:a="http://schemas.openxmlformats.org/drawingml/2006/main" xmlns:r="http://schemas.openxmlformats.org/officeDocument/2006/relationships" xmlns:p="http://schemas.openxmlformats.org/presentationml/2006/main" show="0">
   <p:cSld>
     <p:spTree>
       <p:nvGrpSpPr>
@@ -26886,10 +27324,10 @@
               <a:buChar char="●"/>
             </a:pPr>
             <a:r>
-              <a:rPr lang="en"/>
+              <a:rPr lang="en" dirty="0"/>
               <a:t>Cryptography uses a lot of constants</a:t>
             </a:r>
-            <a:endParaRPr/>
+            <a:endParaRPr dirty="0"/>
           </a:p>
           <a:p>
             <a:pPr marL="914400" lvl="1" indent="-317500" algn="l" rtl="0">
@@ -26903,10 +27341,10 @@
               <a:buChar char="○"/>
             </a:pPr>
             <a:r>
-              <a:rPr lang="en"/>
+              <a:rPr lang="en" dirty="0"/>
               <a:t>Initial state for SHA</a:t>
             </a:r>
-            <a:endParaRPr/>
+            <a:endParaRPr dirty="0"/>
           </a:p>
           <a:p>
             <a:pPr marL="914400" lvl="1" indent="-317500" algn="l" rtl="0">
@@ -26920,26 +27358,26 @@
               <a:buChar char="○"/>
             </a:pPr>
             <a:r>
-              <a:rPr lang="en"/>
+              <a:rPr lang="en" dirty="0"/>
               <a:t>Prime </a:t>
             </a:r>
             <a:r>
-              <a:rPr lang="en" i="1"/>
+              <a:rPr lang="en" i="1" dirty="0"/>
               <a:t>p</a:t>
             </a:r>
             <a:r>
-              <a:rPr lang="en"/>
+              <a:rPr lang="en" dirty="0"/>
               <a:t> and generator </a:t>
             </a:r>
             <a:r>
-              <a:rPr lang="en" i="1"/>
+              <a:rPr lang="en" i="1" dirty="0"/>
               <a:t>g</a:t>
             </a:r>
             <a:r>
-              <a:rPr lang="en"/>
+              <a:rPr lang="en" dirty="0"/>
               <a:t> in Diffie-Hellman</a:t>
             </a:r>
-            <a:endParaRPr/>
+            <a:endParaRPr dirty="0"/>
           </a:p>
           <a:p>
             <a:pPr marL="914400" lvl="1" indent="-317500" algn="l" rtl="0">
@@ -26953,26 +27391,47 @@
               <a:buChar char="○"/>
             </a:pPr>
             <a:r>
-              <a:rPr lang="en"/>
-              <a:t>Parameters for elliptic-curve cryptography (curve equations, points on the curve like </a:t>
-            </a:r>
-            <a:r>
-              <a:rPr lang="en" i="1"/>
-              <a:t>P</a:t>
-            </a:r>
-            <a:r>
-              <a:rPr lang="en"/>
+              <a:rPr lang="en" i="1" dirty="0" err="1"/>
+              <a:t>ipad</a:t>
+            </a:r>
+            <a:r>
+              <a:rPr lang="en" dirty="0"/>
               <a:t> and </a:t>
             </a:r>
             <a:r>
-              <a:rPr lang="en" i="1"/>
-              <a:t>Q</a:t>
-            </a:r>
-            <a:r>
-              <a:rPr lang="en"/>
-              <a:t>)</a:t>
-            </a:r>
-            <a:endParaRPr/>
+              <a:rPr lang="en" i="1" dirty="0" err="1"/>
+              <a:t>opad</a:t>
+            </a:r>
+            <a:r>
+              <a:rPr lang="en" dirty="0"/>
+              <a:t> in HMAC</a:t>
+            </a:r>
+            <a:endParaRPr dirty="0"/>
+          </a:p>
+          <a:p>
+            <a:pPr marL="457200" lvl="0" indent="-342900" algn="l" rtl="0">
+              <a:spcBef>
+                <a:spcPts val="0"/>
+              </a:spcBef>
+              <a:spcAft>
+                <a:spcPts val="0"/>
+              </a:spcAft>
+              <a:buSzPts val="1800"/>
+              <a:buChar char="●"/>
+            </a:pPr>
+            <a:r>
+              <a:rPr lang="en" dirty="0"/>
+              <a:t>Usually, any value could work, but the designer needed to choose </a:t>
+            </a:r>
+            <a:r>
+              <a:rPr lang="en" i="1" dirty="0"/>
+              <a:t>some</a:t>
+            </a:r>
+            <a:r>
+              <a:rPr lang="en" dirty="0"/>
+              <a:t> constant for the algorithm</a:t>
+            </a:r>
+            <a:endParaRPr dirty="0"/>
           </a:p>
           <a:p>
             <a:pPr marL="914400" lvl="1" indent="-317500" algn="l" rtl="0">
@@ -26986,22 +27445,42 @@
               <a:buChar char="○"/>
             </a:pPr>
             <a:r>
-              <a:rPr lang="en" i="1"/>
-              <a:t>ipad</a:t>
-            </a:r>
-            <a:r>
-              <a:rPr lang="en"/>
+              <a:rPr lang="en" dirty="0"/>
+              <a:t>Example: In Diffie-Hellman, any large prime </a:t>
+            </a:r>
+            <a:r>
+              <a:rPr lang="en" i="1" dirty="0"/>
+              <a:t>p</a:t>
+            </a:r>
+            <a:r>
+              <a:rPr lang="en" dirty="0"/>
+              <a:t> and generator </a:t>
+            </a:r>
+            <a:r>
+              <a:rPr lang="en" i="1" dirty="0"/>
+              <a:t>g</a:t>
+            </a:r>
+            <a:r>
+              <a:rPr lang="en" dirty="0"/>
+              <a:t> works, but there’s a default </a:t>
+            </a:r>
+            <a:r>
+              <a:rPr lang="en" i="1" dirty="0"/>
+              <a:t>p</a:t>
+            </a:r>
+            <a:r>
+              <a:rPr lang="en" dirty="0"/>
               <a:t> and </a:t>
             </a:r>
             <a:r>
-              <a:rPr lang="en" i="1"/>
-              <a:t>opad</a:t>
-            </a:r>
-            <a:r>
-              <a:rPr lang="en"/>
-              <a:t> in HMAC</a:t>
-            </a:r>
-            <a:endParaRPr/>
+              <a:rPr lang="en" i="1" dirty="0"/>
+              <a:t>g</a:t>
+            </a:r>
+            <a:r>
+              <a:rPr lang="en" dirty="0"/>
+              <a:t> that everyone uses</a:t>
+            </a:r>
+            <a:endParaRPr dirty="0"/>
           </a:p>
           <a:p>
             <a:pPr marL="457200" lvl="0" indent="-342900" algn="l" rtl="0">
@@ -27015,84 +27494,10 @@
               <a:buChar char="●"/>
             </a:pPr>
             <a:r>
-              <a:rPr lang="en"/>
-              <a:t>Usually, any value could work, but the designer needed to choose </a:t>
-            </a:r>
-            <a:r>
-              <a:rPr lang="en" i="1"/>
-              <a:t>some</a:t>
-            </a:r>
-            <a:r>
-              <a:rPr lang="en"/>
-              <a:t> constant for the algorithm</a:t>
-            </a:r>
-            <a:endParaRPr/>
-          </a:p>
-          <a:p>
-            <a:pPr marL="914400" lvl="1" indent="-317500" algn="l" rtl="0">
-              <a:spcBef>
-                <a:spcPts val="0"/>
-              </a:spcBef>
-              <a:spcAft>
-                <a:spcPts val="0"/>
-              </a:spcAft>
-              <a:buSzPts val="1400"/>
-              <a:buChar char="○"/>
-            </a:pPr>
-            <a:r>
-              <a:rPr lang="en"/>
-              <a:t>Example: In Diffie-Hellman, any large prime </a:t>
-            </a:r>
-            <a:r>
-              <a:rPr lang="en" i="1"/>
-              <a:t>p</a:t>
-            </a:r>
-            <a:r>
-              <a:rPr lang="en"/>
-              <a:t> and generator </a:t>
-            </a:r>
-            <a:r>
-              <a:rPr lang="en" i="1"/>
-              <a:t>g</a:t>
-            </a:r>
-            <a:r>
-              <a:rPr lang="en"/>
-              <a:t> works, but there’s a default </a:t>
-            </a:r>
-            <a:r>
-              <a:rPr lang="en" i="1"/>
-              <a:t>p</a:t>
-            </a:r>
-            <a:r>
-              <a:rPr lang="en"/>
-              <a:t> and </a:t>
-            </a:r>
-            <a:r>
-              <a:rPr lang="en" i="1"/>
-              <a:t>g</a:t>
-            </a:r>
-            <a:r>
-              <a:rPr lang="en"/>
-              <a:t> that everyone uses</a:t>
-            </a:r>
-            <a:endParaRPr/>
-          </a:p>
-          <a:p>
-            <a:pPr marL="457200" lvl="0" indent="-342900" algn="l" rtl="0">
-              <a:spcBef>
-                <a:spcPts val="0"/>
-              </a:spcBef>
-              <a:spcAft>
-                <a:spcPts val="0"/>
-              </a:spcAft>
-              <a:buSzPts val="1800"/>
-              <a:buChar char="●"/>
-            </a:pPr>
-            <a:r>
-              <a:rPr lang="en"/>
+              <a:rPr lang="en" dirty="0"/>
               <a:t>Where do these default parameter values come from?</a:t>
             </a:r>
-            <a:endParaRPr/>
+            <a:endParaRPr dirty="0"/>
           </a:p>
         </p:txBody>
       </p:sp>
@@ -27494,55 +27899,6 @@
                       </p:childTnLst>
                     </p:cTn>
                   </p:par>
-                  <p:par>
-                    <p:cTn id="31" fill="hold">
-                      <p:stCondLst>
-                        <p:cond delay="indefinite"/>
-                      </p:stCondLst>
-                      <p:childTnLst>
-                        <p:par>
-                          <p:cTn id="32" fill="hold">
-                            <p:stCondLst>
-                              <p:cond delay="0"/>
-                            </p:stCondLst>
-                            <p:childTnLst>
-                              <p:par>
-                                <p:cTn id="33" presetID="1" presetClass="entr" presetSubtype="0" fill="hold" nodeType="clickEffect">
-                                  <p:stCondLst>
-                                    <p:cond delay="0"/>
-                                  </p:stCondLst>
-                                  <p:childTnLst>
-                                    <p:set>
-                                      <p:cBhvr>
-                                        <p:cTn id="34" dur="1" fill="hold">
-                                          <p:stCondLst>
-                                            <p:cond delay="0"/>
-                                          </p:stCondLst>
-                                        </p:cTn>
-                                        <p:tgtEl>
-                                          <p:spTgt spid="286">
-                                            <p:txEl>
-                                              <p:pRg st="7" end="7"/>
-                                            </p:txEl>
-                                          </p:spTgt>
-                                        </p:tgtEl>
-                                        <p:attrNameLst>
-                                          <p:attrName>style.visibility</p:attrName>
-                                        </p:attrNameLst>
-                                      </p:cBhvr>
-                                      <p:to>
-                                        <p:strVal val="visible"/>
-                                      </p:to>
-                                    </p:set>
-                                  </p:childTnLst>
-                                </p:cTn>
-                              </p:par>
-                            </p:childTnLst>
-                          </p:cTn>
-                        </p:par>
-                      </p:childTnLst>
-                    </p:cTn>
-                  </p:par>
                 </p:childTnLst>
               </p:cTn>
               <p:prevCondLst>
@@ -27569,7 +27925,7 @@
 </file>
 
 <file path=ppt/slides/slide35.xml><?xml version="1.0" encoding="utf-8"?>
-<p:sld xmlns:a="http://schemas.openxmlformats.org/drawingml/2006/main" xmlns:r="http://schemas.openxmlformats.org/officeDocument/2006/relationships" xmlns:p="http://schemas.openxmlformats.org/presentationml/2006/main">
+<p:sld xmlns:a="http://schemas.openxmlformats.org/drawingml/2006/main" xmlns:r="http://schemas.openxmlformats.org/officeDocument/2006/relationships" xmlns:p="http://schemas.openxmlformats.org/presentationml/2006/main" show="0">
   <p:cSld>
     <p:spTree>
       <p:nvGrpSpPr>
@@ -28370,7 +28726,7 @@
 </file>
 
 <file path=ppt/slides/slide36.xml><?xml version="1.0" encoding="utf-8"?>
-<p:sld xmlns:a="http://schemas.openxmlformats.org/drawingml/2006/main" xmlns:r="http://schemas.openxmlformats.org/officeDocument/2006/relationships" xmlns:p="http://schemas.openxmlformats.org/presentationml/2006/main">
+<p:sld xmlns:a="http://schemas.openxmlformats.org/drawingml/2006/main" xmlns:r="http://schemas.openxmlformats.org/officeDocument/2006/relationships" xmlns:p="http://schemas.openxmlformats.org/presentationml/2006/main" show="0">
   <p:cSld>
     <p:spTree>
       <p:nvGrpSpPr>
@@ -29195,7 +29551,7 @@
 </file>
 
 <file path=ppt/slides/slide37.xml><?xml version="1.0" encoding="utf-8"?>
-<p:sld xmlns:a="http://schemas.openxmlformats.org/drawingml/2006/main" xmlns:r="http://schemas.openxmlformats.org/officeDocument/2006/relationships" xmlns:p="http://schemas.openxmlformats.org/presentationml/2006/main">
+<p:sld xmlns:a="http://schemas.openxmlformats.org/drawingml/2006/main" xmlns:r="http://schemas.openxmlformats.org/officeDocument/2006/relationships" xmlns:p="http://schemas.openxmlformats.org/presentationml/2006/main" show="0">
   <p:cSld>
     <p:spTree>
       <p:nvGrpSpPr>
@@ -29756,7 +30112,7 @@
 </file>
 
 <file path=ppt/slides/slide38.xml><?xml version="1.0" encoding="utf-8"?>
-<p:sld xmlns:a="http://schemas.openxmlformats.org/drawingml/2006/main" xmlns:r="http://schemas.openxmlformats.org/officeDocument/2006/relationships" xmlns:p="http://schemas.openxmlformats.org/presentationml/2006/main">
+<p:sld xmlns:a="http://schemas.openxmlformats.org/drawingml/2006/main" xmlns:r="http://schemas.openxmlformats.org/officeDocument/2006/relationships" xmlns:p="http://schemas.openxmlformats.org/presentationml/2006/main" show="0">
   <p:cSld>
     <p:spTree>
       <p:nvGrpSpPr>
@@ -30848,7 +31204,7 @@
 </file>
 
 <file path=ppt/slides/slide39.xml><?xml version="1.0" encoding="utf-8"?>
-<p:sld xmlns:a="http://schemas.openxmlformats.org/drawingml/2006/main" xmlns:r="http://schemas.openxmlformats.org/officeDocument/2006/relationships" xmlns:p="http://schemas.openxmlformats.org/presentationml/2006/main">
+<p:sld xmlns:a="http://schemas.openxmlformats.org/drawingml/2006/main" xmlns:r="http://schemas.openxmlformats.org/officeDocument/2006/relationships" xmlns:p="http://schemas.openxmlformats.org/presentationml/2006/main" show="0">
   <p:cSld>
     <p:spTree>
       <p:nvGrpSpPr>
@@ -31400,7 +31756,7 @@
 </file>
 
 <file path=ppt/slides/slide40.xml><?xml version="1.0" encoding="utf-8"?>
-<p:sld xmlns:a="http://schemas.openxmlformats.org/drawingml/2006/main" xmlns:r="http://schemas.openxmlformats.org/officeDocument/2006/relationships" xmlns:p="http://schemas.openxmlformats.org/presentationml/2006/main">
+<p:sld xmlns:a="http://schemas.openxmlformats.org/drawingml/2006/main" xmlns:r="http://schemas.openxmlformats.org/officeDocument/2006/relationships" xmlns:p="http://schemas.openxmlformats.org/presentationml/2006/main" show="0">
   <p:cSld>
     <p:spTree>
       <p:nvGrpSpPr>
@@ -32055,7 +32411,7 @@
 </file>
 
 <file path=ppt/slides/slide41.xml><?xml version="1.0" encoding="utf-8"?>
-<p:sld xmlns:a="http://schemas.openxmlformats.org/drawingml/2006/main" xmlns:r="http://schemas.openxmlformats.org/officeDocument/2006/relationships" xmlns:p="http://schemas.openxmlformats.org/presentationml/2006/main">
+<p:sld xmlns:a="http://schemas.openxmlformats.org/drawingml/2006/main" xmlns:r="http://schemas.openxmlformats.org/officeDocument/2006/relationships" xmlns:p="http://schemas.openxmlformats.org/presentationml/2006/main" show="0">
   <p:cSld>
     <p:spTree>
       <p:nvGrpSpPr>
@@ -43032,560 +43388,6 @@
   <p:cSld>
     <p:spTree>
       <p:nvGrpSpPr>
-        <p:cNvPr id="1" name="Shape 437"/>
-        <p:cNvGrpSpPr/>
-        <p:nvPr/>
-      </p:nvGrpSpPr>
-      <p:grpSpPr>
-        <a:xfrm>
-          <a:off x="0" y="0"/>
-          <a:ext cx="0" cy="0"/>
-          <a:chOff x="0" y="0"/>
-          <a:chExt cx="0" cy="0"/>
-        </a:xfrm>
-      </p:grpSpPr>
-      <p:sp>
-        <p:nvSpPr>
-          <p:cNvPr id="438" name="Google Shape;438;p71"/>
-          <p:cNvSpPr txBox="1">
-            <a:spLocks noGrp="1"/>
-          </p:cNvSpPr>
-          <p:nvPr>
-            <p:ph type="title"/>
-          </p:nvPr>
-        </p:nvSpPr>
-        <p:spPr>
-          <a:xfrm>
-            <a:off x="102700" y="270875"/>
-            <a:ext cx="8520600" cy="572700"/>
-          </a:xfrm>
-          <a:prstGeom prst="rect">
-            <a:avLst/>
-          </a:prstGeom>
-        </p:spPr>
-        <p:txBody>
-          <a:bodyPr spcFirstLastPara="1" wrap="square" lIns="91425" tIns="91425" rIns="91425" bIns="91425" anchor="t" anchorCtr="0">
-            <a:normAutofit fontScale="90000"/>
-          </a:bodyPr>
-          <a:lstStyle/>
-          <a:p>
-            <a:pPr marL="0" lvl="0" indent="0" algn="l" rtl="0">
-              <a:spcBef>
-                <a:spcPts val="0"/>
-              </a:spcBef>
-              <a:spcAft>
-                <a:spcPts val="0"/>
-              </a:spcAft>
-              <a:buNone/>
-            </a:pPr>
-            <a:r>
-              <a:rPr lang="en"/>
-              <a:t>Snake Oil Example: Crown-Sterling</a:t>
-            </a:r>
-            <a:endParaRPr/>
-          </a:p>
-        </p:txBody>
-      </p:sp>
-      <p:graphicFrame>
-        <p:nvGraphicFramePr>
-          <p:cNvPr id="439" name="Google Shape;439;p71"/>
-          <p:cNvGraphicFramePr/>
-          <p:nvPr/>
-        </p:nvGraphicFramePr>
-        <p:xfrm>
-          <a:off x="288475" y="1431735"/>
-          <a:ext cx="8567050" cy="1581745"/>
-        </p:xfrm>
-        <a:graphic>
-          <a:graphicData uri="http://schemas.openxmlformats.org/drawingml/2006/table">
-            <a:tbl>
-              <a:tblPr>
-                <a:noFill/>
-                <a:tableStyleId>{87D82A92-88C6-4B6D-A728-930F2EC8234A}</a:tableStyleId>
-              </a:tblPr>
-              <a:tblGrid>
-                <a:gridCol w="4283525">
-                  <a:extLst>
-                    <a:ext uri="{9D8B030D-6E8A-4147-A177-3AD203B41FA5}">
-                      <a16:colId xmlns:a16="http://schemas.microsoft.com/office/drawing/2014/main" val="20000"/>
-                    </a:ext>
-                  </a:extLst>
-                </a:gridCol>
-                <a:gridCol w="4283525">
-                  <a:extLst>
-                    <a:ext uri="{9D8B030D-6E8A-4147-A177-3AD203B41FA5}">
-                      <a16:colId xmlns:a16="http://schemas.microsoft.com/office/drawing/2014/main" val="20001"/>
-                    </a:ext>
-                  </a:extLst>
-                </a:gridCol>
-              </a:tblGrid>
-              <a:tr h="357600">
-                <a:tc>
-                  <a:txBody>
-                    <a:bodyPr/>
-                    <a:lstStyle/>
-                    <a:p>
-                      <a:pPr marL="1085850" lvl="0" indent="0" algn="l" rtl="0">
-                        <a:spcBef>
-                          <a:spcPts val="0"/>
-                        </a:spcBef>
-                        <a:spcAft>
-                          <a:spcPts val="0"/>
-                        </a:spcAft>
-                        <a:buNone/>
-                      </a:pPr>
-                      <a:endParaRPr sz="1600">
-                        <a:solidFill>
-                          <a:srgbClr val="595959"/>
-                        </a:solidFill>
-                      </a:endParaRPr>
-                    </a:p>
-                  </a:txBody>
-                  <a:tcPr marL="91425" marR="91425" marT="91425" marB="91425">
-                    <a:lnL w="19050" cap="flat" cmpd="sng">
-                      <a:solidFill>
-                        <a:srgbClr val="000000"/>
-                      </a:solidFill>
-                      <a:prstDash val="solid"/>
-                      <a:round/>
-                      <a:headEnd type="none" w="sm" len="sm"/>
-                      <a:tailEnd type="none" w="sm" len="sm"/>
-                    </a:lnL>
-                    <a:lnR w="9525" cap="flat" cmpd="sng">
-                      <a:solidFill>
-                        <a:srgbClr val="9E9E9E">
-                          <a:alpha val="0"/>
-                        </a:srgbClr>
-                      </a:solidFill>
-                      <a:prstDash val="solid"/>
-                      <a:round/>
-                      <a:headEnd type="none" w="sm" len="sm"/>
-                      <a:tailEnd type="none" w="sm" len="sm"/>
-                    </a:lnR>
-                    <a:lnT w="19050" cap="flat" cmpd="sng">
-                      <a:solidFill>
-                        <a:srgbClr val="000000"/>
-                      </a:solidFill>
-                      <a:prstDash val="solid"/>
-                      <a:round/>
-                      <a:headEnd type="none" w="sm" len="sm"/>
-                      <a:tailEnd type="none" w="sm" len="sm"/>
-                    </a:lnT>
-                    <a:lnB w="9525" cap="flat" cmpd="sng">
-                      <a:solidFill>
-                        <a:srgbClr val="9E9E9E">
-                          <a:alpha val="0"/>
-                        </a:srgbClr>
-                      </a:solidFill>
-                      <a:prstDash val="solid"/>
-                      <a:round/>
-                      <a:headEnd type="none" w="sm" len="sm"/>
-                      <a:tailEnd type="none" w="sm" len="sm"/>
-                    </a:lnB>
-                    <a:solidFill>
-                      <a:srgbClr val="FFFAF0"/>
-                    </a:solidFill>
-                  </a:tcPr>
-                </a:tc>
-                <a:tc>
-                  <a:txBody>
-                    <a:bodyPr/>
-                    <a:lstStyle/>
-                    <a:p>
-                      <a:pPr marL="0" lvl="0" indent="0" algn="r" rtl="0">
-                        <a:spcBef>
-                          <a:spcPts val="0"/>
-                        </a:spcBef>
-                        <a:spcAft>
-                          <a:spcPts val="0"/>
-                        </a:spcAft>
-                        <a:buNone/>
-                      </a:pPr>
-                      <a:r>
-                        <a:rPr lang="en" u="sng">
-                          <a:solidFill>
-                            <a:srgbClr val="0097A7"/>
-                          </a:solidFill>
-                          <a:hlinkClick r:id="rId3">
-                            <a:extLst>
-                              <a:ext uri="{A12FA001-AC4F-418D-AE19-62706E023703}">
-                                <ahyp:hlinkClr xmlns:ahyp="http://schemas.microsoft.com/office/drawing/2018/hyperlinkcolor" val="tx"/>
-                              </a:ext>
-                            </a:extLst>
-                          </a:hlinkClick>
-                        </a:rPr>
-                        <a:t>Link</a:t>
-                      </a:r>
-                      <a:endParaRPr/>
-                    </a:p>
-                  </a:txBody>
-                  <a:tcPr marL="91425" marR="91425" marT="91425" marB="91425">
-                    <a:lnL w="9525" cap="flat" cmpd="sng">
-                      <a:solidFill>
-                        <a:srgbClr val="9E9E9E">
-                          <a:alpha val="0"/>
-                        </a:srgbClr>
-                      </a:solidFill>
-                      <a:prstDash val="solid"/>
-                      <a:round/>
-                      <a:headEnd type="none" w="sm" len="sm"/>
-                      <a:tailEnd type="none" w="sm" len="sm"/>
-                    </a:lnL>
-                    <a:lnR w="19050" cap="flat" cmpd="sng">
-                      <a:solidFill>
-                        <a:srgbClr val="000000"/>
-                      </a:solidFill>
-                      <a:prstDash val="solid"/>
-                      <a:round/>
-                      <a:headEnd type="none" w="sm" len="sm"/>
-                      <a:tailEnd type="none" w="sm" len="sm"/>
-                    </a:lnR>
-                    <a:lnT w="19050" cap="flat" cmpd="sng">
-                      <a:solidFill>
-                        <a:srgbClr val="000000"/>
-                      </a:solidFill>
-                      <a:prstDash val="solid"/>
-                      <a:round/>
-                      <a:headEnd type="none" w="sm" len="sm"/>
-                      <a:tailEnd type="none" w="sm" len="sm"/>
-                    </a:lnT>
-                    <a:lnB w="9525" cap="flat" cmpd="sng">
-                      <a:solidFill>
-                        <a:srgbClr val="9E9E9E">
-                          <a:alpha val="0"/>
-                        </a:srgbClr>
-                      </a:solidFill>
-                      <a:prstDash val="solid"/>
-                      <a:round/>
-                      <a:headEnd type="none" w="sm" len="sm"/>
-                      <a:tailEnd type="none" w="sm" len="sm"/>
-                    </a:lnB>
-                    <a:solidFill>
-                      <a:srgbClr val="FFFAF0"/>
-                    </a:solidFill>
-                  </a:tcPr>
-                </a:tc>
-                <a:extLst>
-                  <a:ext uri="{0D108BD9-81ED-4DB2-BD59-A6C34878D82A}">
-                    <a16:rowId xmlns:a16="http://schemas.microsoft.com/office/drawing/2014/main" val="10000"/>
-                  </a:ext>
-                </a:extLst>
-              </a:tr>
-              <a:tr h="332125">
-                <a:tc>
-                  <a:txBody>
-                    <a:bodyPr/>
-                    <a:lstStyle/>
-                    <a:p>
-                      <a:pPr marL="0" lvl="0" indent="0" algn="l" rtl="0">
-                        <a:spcBef>
-                          <a:spcPts val="0"/>
-                        </a:spcBef>
-                        <a:spcAft>
-                          <a:spcPts val="0"/>
-                        </a:spcAft>
-                        <a:buNone/>
-                      </a:pPr>
-                      <a:endParaRPr>
-                        <a:solidFill>
-                          <a:srgbClr val="595959"/>
-                        </a:solidFill>
-                      </a:endParaRPr>
-                    </a:p>
-                  </a:txBody>
-                  <a:tcPr marL="91425" marR="91425" marT="27425" marB="27425">
-                    <a:lnL w="19050" cap="flat" cmpd="sng">
-                      <a:solidFill>
-                        <a:srgbClr val="000000"/>
-                      </a:solidFill>
-                      <a:prstDash val="solid"/>
-                      <a:round/>
-                      <a:headEnd type="none" w="sm" len="sm"/>
-                      <a:tailEnd type="none" w="sm" len="sm"/>
-                    </a:lnL>
-                    <a:lnR w="9525" cap="flat" cmpd="sng">
-                      <a:solidFill>
-                        <a:srgbClr val="9E9E9E">
-                          <a:alpha val="0"/>
-                        </a:srgbClr>
-                      </a:solidFill>
-                      <a:prstDash val="solid"/>
-                      <a:round/>
-                      <a:headEnd type="none" w="sm" len="sm"/>
-                      <a:tailEnd type="none" w="sm" len="sm"/>
-                    </a:lnR>
-                    <a:lnT w="9525" cap="flat" cmpd="sng">
-                      <a:solidFill>
-                        <a:srgbClr val="9E9E9E">
-                          <a:alpha val="0"/>
-                        </a:srgbClr>
-                      </a:solidFill>
-                      <a:prstDash val="solid"/>
-                      <a:round/>
-                      <a:headEnd type="none" w="sm" len="sm"/>
-                      <a:tailEnd type="none" w="sm" len="sm"/>
-                    </a:lnT>
-                    <a:lnB w="9525" cap="flat" cmpd="sng">
-                      <a:solidFill>
-                        <a:srgbClr val="9E9E9E">
-                          <a:alpha val="0"/>
-                        </a:srgbClr>
-                      </a:solidFill>
-                      <a:prstDash val="solid"/>
-                      <a:round/>
-                      <a:headEnd type="none" w="sm" len="sm"/>
-                      <a:tailEnd type="none" w="sm" len="sm"/>
-                    </a:lnB>
-                    <a:solidFill>
-                      <a:srgbClr val="FFFAF0"/>
-                    </a:solidFill>
-                  </a:tcPr>
-                </a:tc>
-                <a:tc>
-                  <a:txBody>
-                    <a:bodyPr/>
-                    <a:lstStyle/>
-                    <a:p>
-                      <a:pPr marL="0" lvl="0" indent="0" algn="r" rtl="0">
-                        <a:spcBef>
-                          <a:spcPts val="0"/>
-                        </a:spcBef>
-                        <a:spcAft>
-                          <a:spcPts val="0"/>
-                        </a:spcAft>
-                        <a:buNone/>
-                      </a:pPr>
-                      <a:r>
-                        <a:rPr lang="en" i="1">
-                          <a:solidFill>
-                            <a:srgbClr val="595959"/>
-                          </a:solidFill>
-                        </a:rPr>
-                        <a:t>September 21, 2019</a:t>
-                      </a:r>
-                      <a:endParaRPr i="1">
-                        <a:solidFill>
-                          <a:srgbClr val="595959"/>
-                        </a:solidFill>
-                      </a:endParaRPr>
-                    </a:p>
-                  </a:txBody>
-                  <a:tcPr marL="91425" marR="91425" marT="27425" marB="27425">
-                    <a:lnL w="9525" cap="flat" cmpd="sng">
-                      <a:solidFill>
-                        <a:srgbClr val="9E9E9E">
-                          <a:alpha val="0"/>
-                        </a:srgbClr>
-                      </a:solidFill>
-                      <a:prstDash val="solid"/>
-                      <a:round/>
-                      <a:headEnd type="none" w="sm" len="sm"/>
-                      <a:tailEnd type="none" w="sm" len="sm"/>
-                    </a:lnL>
-                    <a:lnR w="19050" cap="flat" cmpd="sng">
-                      <a:solidFill>
-                        <a:srgbClr val="000000"/>
-                      </a:solidFill>
-                      <a:prstDash val="solid"/>
-                      <a:round/>
-                      <a:headEnd type="none" w="sm" len="sm"/>
-                      <a:tailEnd type="none" w="sm" len="sm"/>
-                    </a:lnR>
-                    <a:lnT w="9525" cap="flat" cmpd="sng">
-                      <a:solidFill>
-                        <a:srgbClr val="9E9E9E">
-                          <a:alpha val="0"/>
-                        </a:srgbClr>
-                      </a:solidFill>
-                      <a:prstDash val="solid"/>
-                      <a:round/>
-                      <a:headEnd type="none" w="sm" len="sm"/>
-                      <a:tailEnd type="none" w="sm" len="sm"/>
-                    </a:lnT>
-                    <a:lnB w="9525" cap="flat" cmpd="sng">
-                      <a:solidFill>
-                        <a:srgbClr val="9E9E9E">
-                          <a:alpha val="0"/>
-                        </a:srgbClr>
-                      </a:solidFill>
-                      <a:prstDash val="solid"/>
-                      <a:round/>
-                      <a:headEnd type="none" w="sm" len="sm"/>
-                      <a:tailEnd type="none" w="sm" len="sm"/>
-                    </a:lnB>
-                    <a:solidFill>
-                      <a:srgbClr val="FFFAF0"/>
-                    </a:solidFill>
-                  </a:tcPr>
-                </a:tc>
-                <a:extLst>
-                  <a:ext uri="{0D108BD9-81ED-4DB2-BD59-A6C34878D82A}">
-                    <a16:rowId xmlns:a16="http://schemas.microsoft.com/office/drawing/2014/main" val="10001"/>
-                  </a:ext>
-                </a:extLst>
-              </a:tr>
-              <a:tr h="619350">
-                <a:tc gridSpan="2">
-                  <a:txBody>
-                    <a:bodyPr/>
-                    <a:lstStyle/>
-                    <a:p>
-                      <a:pPr marL="0" lvl="0" indent="0" algn="l" rtl="0">
-                        <a:spcBef>
-                          <a:spcPts val="0"/>
-                        </a:spcBef>
-                        <a:spcAft>
-                          <a:spcPts val="0"/>
-                        </a:spcAft>
-                        <a:buNone/>
-                      </a:pPr>
-                      <a:r>
-                        <a:rPr lang="en">
-                          <a:solidFill>
-                            <a:srgbClr val="595959"/>
-                          </a:solidFill>
-                        </a:rPr>
-                        <a:t>FYI My offer stands you litigious fraudulent fuckwits.  If you consider my statements that you are fraudulent fuckwits based on this release &amp; demonstration libel, I'll gladly tell you a good address for service, just DM for info.</a:t>
-                      </a:r>
-                      <a:endParaRPr>
-                        <a:solidFill>
-                          <a:srgbClr val="595959"/>
-                        </a:solidFill>
-                      </a:endParaRPr>
-                    </a:p>
-                  </a:txBody>
-                  <a:tcPr marL="91425" marR="91425" marT="91425" marB="91425">
-                    <a:lnL w="19050" cap="flat" cmpd="sng">
-                      <a:solidFill>
-                        <a:srgbClr val="000000"/>
-                      </a:solidFill>
-                      <a:prstDash val="solid"/>
-                      <a:round/>
-                      <a:headEnd type="none" w="sm" len="sm"/>
-                      <a:tailEnd type="none" w="sm" len="sm"/>
-                    </a:lnL>
-                    <a:lnR w="19050" cap="flat" cmpd="sng">
-                      <a:solidFill>
-                        <a:srgbClr val="000000"/>
-                      </a:solidFill>
-                      <a:prstDash val="solid"/>
-                      <a:round/>
-                      <a:headEnd type="none" w="sm" len="sm"/>
-                      <a:tailEnd type="none" w="sm" len="sm"/>
-                    </a:lnR>
-                    <a:lnT w="9525" cap="flat" cmpd="sng">
-                      <a:solidFill>
-                        <a:srgbClr val="9E9E9E">
-                          <a:alpha val="0"/>
-                        </a:srgbClr>
-                      </a:solidFill>
-                      <a:prstDash val="solid"/>
-                      <a:round/>
-                      <a:headEnd type="none" w="sm" len="sm"/>
-                      <a:tailEnd type="none" w="sm" len="sm"/>
-                    </a:lnT>
-                    <a:lnB w="19050" cap="flat" cmpd="sng">
-                      <a:solidFill>
-                        <a:srgbClr val="000000"/>
-                      </a:solidFill>
-                      <a:prstDash val="solid"/>
-                      <a:round/>
-                      <a:headEnd type="none" w="sm" len="sm"/>
-                      <a:tailEnd type="none" w="sm" len="sm"/>
-                    </a:lnB>
-                    <a:solidFill>
-                      <a:srgbClr val="FFFAF0"/>
-                    </a:solidFill>
-                  </a:tcPr>
-                </a:tc>
-                <a:tc hMerge="1">
-                  <a:txBody>
-                    <a:bodyPr/>
-                    <a:lstStyle/>
-                    <a:p>
-                      <a:endParaRPr lang="en-US"/>
-                    </a:p>
-                  </a:txBody>
-                  <a:tcPr/>
-                </a:tc>
-                <a:extLst>
-                  <a:ext uri="{0D108BD9-81ED-4DB2-BD59-A6C34878D82A}">
-                    <a16:rowId xmlns:a16="http://schemas.microsoft.com/office/drawing/2014/main" val="10002"/>
-                  </a:ext>
-                </a:extLst>
-              </a:tr>
-            </a:tbl>
-          </a:graphicData>
-        </a:graphic>
-      </p:graphicFrame>
-      <p:pic>
-        <p:nvPicPr>
-          <p:cNvPr id="440" name="Google Shape;440;p71" title="Nicholas Weaver on Twitter"/>
-          <p:cNvPicPr preferRelativeResize="0"/>
-          <p:nvPr/>
-        </p:nvPicPr>
-        <p:blipFill rotWithShape="1">
-          <a:blip r:embed="rId4">
-            <a:alphaModFix/>
-          </a:blip>
-          <a:srcRect r="63058" b="83320"/>
-          <a:stretch/>
-        </p:blipFill>
-        <p:spPr>
-          <a:xfrm>
-            <a:off x="994600" y="1489900"/>
-            <a:ext cx="1947228" cy="513675"/>
-          </a:xfrm>
-          <a:prstGeom prst="rect">
-            <a:avLst/>
-          </a:prstGeom>
-          <a:noFill/>
-          <a:ln>
-            <a:noFill/>
-          </a:ln>
-        </p:spPr>
-      </p:pic>
-      <p:pic>
-        <p:nvPicPr>
-          <p:cNvPr id="441" name="Google Shape;441;p71"/>
-          <p:cNvPicPr preferRelativeResize="0"/>
-          <p:nvPr/>
-        </p:nvPicPr>
-        <p:blipFill>
-          <a:blip r:embed="rId5">
-            <a:alphaModFix/>
-          </a:blip>
-          <a:stretch>
-            <a:fillRect/>
-          </a:stretch>
-        </p:blipFill>
-        <p:spPr>
-          <a:xfrm>
-            <a:off x="365550" y="1508198"/>
-            <a:ext cx="629050" cy="495375"/>
-          </a:xfrm>
-          <a:prstGeom prst="rect">
-            <a:avLst/>
-          </a:prstGeom>
-          <a:noFill/>
-          <a:ln>
-            <a:noFill/>
-          </a:ln>
-        </p:spPr>
-      </p:pic>
-    </p:spTree>
-  </p:cSld>
-  <p:clrMapOvr>
-    <a:masterClrMapping/>
-  </p:clrMapOvr>
-</p:sld>
-</file>
-
-<file path=ppt/slides/slide58.xml><?xml version="1.0" encoding="utf-8"?>
-<p:sld xmlns:a="http://schemas.openxmlformats.org/drawingml/2006/main" xmlns:r="http://schemas.openxmlformats.org/officeDocument/2006/relationships" xmlns:p="http://schemas.openxmlformats.org/presentationml/2006/main">
-  <p:cSld>
-    <p:spTree>
-      <p:nvGrpSpPr>
         <p:cNvPr id="1" name="Shape 445"/>
         <p:cNvGrpSpPr/>
         <p:nvPr/>
@@ -43676,10 +43478,10 @@
               <a:buChar char="●"/>
             </a:pPr>
             <a:r>
-              <a:rPr lang="en"/>
+              <a:rPr lang="en" dirty="0"/>
               <a:t>IOTA: A cryptocurrency designed for the Internet of Things (IoT)</a:t>
             </a:r>
-            <a:endParaRPr/>
+            <a:endParaRPr dirty="0"/>
           </a:p>
           <a:p>
             <a:pPr marL="914400" lvl="1" indent="-317500" algn="l" rtl="0">
@@ -43693,10 +43495,10 @@
               <a:buChar char="○"/>
             </a:pPr>
             <a:r>
-              <a:rPr lang="en"/>
+              <a:rPr lang="en" dirty="0"/>
               <a:t>Uses a hash-based scheme instead of standard public key signatures, meaning you can never reuse a key</a:t>
             </a:r>
-            <a:endParaRPr/>
+            <a:endParaRPr dirty="0"/>
           </a:p>
           <a:p>
             <a:pPr marL="914400" lvl="1" indent="-317500" algn="l" rtl="0">
@@ -43710,10 +43512,10 @@
               <a:buChar char="○"/>
             </a:pPr>
             <a:r>
-              <a:rPr lang="en"/>
+              <a:rPr lang="en" dirty="0"/>
               <a:t>10,000-bit signatures (compare with 450-bit RSA signatures, which are considered big)</a:t>
             </a:r>
-            <a:endParaRPr/>
+            <a:endParaRPr dirty="0"/>
           </a:p>
           <a:p>
             <a:pPr marL="914400" lvl="1" indent="-317500" algn="l" rtl="0">
@@ -43727,10 +43529,10 @@
               <a:buChar char="○"/>
             </a:pPr>
             <a:r>
-              <a:rPr lang="en"/>
+              <a:rPr lang="en" dirty="0"/>
               <a:t>Created their own hash function… that was quickly broken</a:t>
             </a:r>
-            <a:endParaRPr/>
+            <a:endParaRPr dirty="0"/>
           </a:p>
           <a:p>
             <a:pPr marL="914400" lvl="1" indent="-317500" algn="l" rtl="0">
@@ -43744,10 +43546,10 @@
               <a:buChar char="○"/>
             </a:pPr>
             <a:r>
-              <a:rPr lang="en"/>
+              <a:rPr lang="en" dirty="0"/>
               <a:t>Claims to be a distributed system, but relies entirely on a central authority (not distributed)</a:t>
             </a:r>
-            <a:endParaRPr/>
+            <a:endParaRPr dirty="0"/>
           </a:p>
           <a:p>
             <a:pPr marL="914400" lvl="1" indent="-317500" algn="l" rtl="0">
@@ -43761,10 +43563,10 @@
               <a:buChar char="○"/>
             </a:pPr>
             <a:r>
-              <a:rPr lang="en"/>
+              <a:rPr lang="en" dirty="0"/>
               <a:t>Uses trinary math? (Requiring entirely new processors?)</a:t>
             </a:r>
-            <a:endParaRPr/>
+            <a:endParaRPr dirty="0"/>
           </a:p>
           <a:p>
             <a:pPr marL="457200" lvl="0" indent="-342900" algn="l" rtl="0">
@@ -43778,14 +43580,14 @@
               <a:buChar char="●"/>
             </a:pPr>
             <a:r>
-              <a:rPr lang="en" b="1"/>
+              <a:rPr lang="en" b="1" dirty="0"/>
               <a:t>Takeaway</a:t>
             </a:r>
             <a:r>
-              <a:rPr lang="en"/>
+              <a:rPr lang="en" dirty="0"/>
               <a:t>: Be able to recognize snake oil cryptography</a:t>
             </a:r>
-            <a:endParaRPr/>
+            <a:endParaRPr dirty="0"/>
           </a:p>
         </p:txBody>
       </p:sp>

--- a/teaching/ITIS6200/2023fa/lectures/lec07.pptx
+++ b/teaching/ITIS6200/2023fa/lectures/lec07.pptx
@@ -2784,6 +2784,39 @@
               <a:rPr lang="en-US" dirty="0"/>
               <a:t>https://auth0.com/blog/adding-salt-to-hashing-a-better-way-to-store-passwords/</a:t>
             </a:r>
+          </a:p>
+          <a:p>
+            <a:pPr marL="0" lvl="0" indent="0" algn="l" rtl="0">
+              <a:spcBef>
+                <a:spcPts val="0"/>
+              </a:spcBef>
+              <a:spcAft>
+                <a:spcPts val="0"/>
+              </a:spcAft>
+              <a:buNone/>
+            </a:pPr>
+            <a:endParaRPr lang="en-US" dirty="0"/>
+          </a:p>
+          <a:p>
+            <a:pPr marL="0" lvl="0" indent="0" algn="l" rtl="0">
+              <a:spcBef>
+                <a:spcPts val="0"/>
+              </a:spcBef>
+              <a:spcAft>
+                <a:spcPts val="0"/>
+              </a:spcAft>
+              <a:buNone/>
+            </a:pPr>
+            <a:r>
+              <a:rPr lang="en-US" b="0" i="0" dirty="0">
+                <a:solidFill>
+                  <a:srgbClr val="626262"/>
+                </a:solidFill>
+                <a:effectLst/>
+                <a:latin typeface="Inter"/>
+              </a:rPr>
+              <a:t>A rainbow table is essentially a huge database with precomputed hash outputs. Once the hackers gain access to the hash database, they can then execute the rainbow table attack by checking if the stolen hashes match any precomputed hash stored in the rainbow table.</a:t>
+            </a:r>
             <a:endParaRPr dirty="0"/>
           </a:p>
         </p:txBody>
@@ -2825,7 +2858,7 @@
         </p:nvSpPr>
         <p:spPr>
           <a:xfrm>
-            <a:off x="381300" y="685800"/>
+            <a:off x="381000" y="685800"/>
             <a:ext cx="6096000" cy="3429000"/>
           </a:xfrm>
           <a:custGeom>
@@ -2879,15 +2912,23 @@
           </a:bodyPr>
           <a:lstStyle/>
           <a:p>
-            <a:pPr marL="0" lvl="0" indent="0" algn="l" rtl="0">
-              <a:spcBef>
-                <a:spcPts val="0"/>
-              </a:spcBef>
-              <a:spcAft>
-                <a:spcPts val="0"/>
-              </a:spcAft>
-              <a:buNone/>
-            </a:pPr>
+            <a:pPr algn="l">
+              <a:buFont typeface="Arial" panose="020B0604020202020204" pitchFamily="34" charset="0"/>
+              <a:buChar char="•"/>
+            </a:pPr>
+            <a:r>
+              <a:rPr lang="en-US" b="0" i="0" dirty="0">
+                <a:solidFill>
+                  <a:srgbClr val="626262"/>
+                </a:solidFill>
+                <a:effectLst/>
+                <a:latin typeface="Inter"/>
+              </a:rPr>
+              <a:t>Each password should have its own unique salt. Having a systemwide salt for all passwords isn’t very effective. </a:t>
+            </a:r>
+            <a:br>
+              <a:rPr lang="en-US" dirty="0"/>
+            </a:br>
             <a:endParaRPr dirty="0"/>
           </a:p>
         </p:txBody>
@@ -3033,7 +3074,7 @@
         </p:nvSpPr>
         <p:spPr>
           <a:xfrm>
-            <a:off x="381300" y="685800"/>
+            <a:off x="381000" y="685800"/>
             <a:ext cx="6096000" cy="3429000"/>
           </a:xfrm>
           <a:custGeom>
@@ -3096,7 +3137,121 @@
               </a:spcAft>
               <a:buNone/>
             </a:pPr>
-            <a:endParaRPr/>
+            <a:r>
+              <a:rPr lang="en-US" b="0" i="0" dirty="0">
+                <a:solidFill>
+                  <a:srgbClr val="202124"/>
+                </a:solidFill>
+                <a:effectLst/>
+                <a:latin typeface="Google Sans"/>
+              </a:rPr>
+              <a:t>Argon2 is </a:t>
+            </a:r>
+            <a:r>
+              <a:rPr lang="en-US" b="0" i="0" dirty="0">
+                <a:solidFill>
+                  <a:srgbClr val="040C28"/>
+                </a:solidFill>
+                <a:effectLst/>
+                <a:latin typeface="Google Sans"/>
+              </a:rPr>
+              <a:t>cryptographic hashing algorithm, most recommended for password hashing</a:t>
+            </a:r>
+          </a:p>
+          <a:p>
+            <a:pPr marL="0" lvl="0" indent="0" algn="l" rtl="0">
+              <a:spcBef>
+                <a:spcPts val="0"/>
+              </a:spcBef>
+              <a:spcAft>
+                <a:spcPts val="0"/>
+              </a:spcAft>
+              <a:buNone/>
+            </a:pPr>
+            <a:r>
+              <a:rPr lang="en-US" b="0" i="0" dirty="0">
+                <a:solidFill>
+                  <a:srgbClr val="202122"/>
+                </a:solidFill>
+                <a:effectLst/>
+                <a:latin typeface="Arial" panose="020B0604020202020204" pitchFamily="34" charset="0"/>
+              </a:rPr>
+              <a:t>Previous password-based KDFs (such as the popular </a:t>
+            </a:r>
+            <a:r>
+              <a:rPr lang="en-US" b="0" i="0" u="none" strike="noStrike" dirty="0">
+                <a:solidFill>
+                  <a:srgbClr val="3366CC"/>
+                </a:solidFill>
+                <a:effectLst/>
+                <a:latin typeface="Arial" panose="020B0604020202020204" pitchFamily="34" charset="0"/>
+                <a:hlinkClick r:id="rId3" tooltip="PBKDF2"/>
+              </a:rPr>
+              <a:t>PBKDF2</a:t>
+            </a:r>
+            <a:r>
+              <a:rPr lang="en-US" b="0" i="0" dirty="0">
+                <a:solidFill>
+                  <a:srgbClr val="202122"/>
+                </a:solidFill>
+                <a:effectLst/>
+                <a:latin typeface="Arial" panose="020B0604020202020204" pitchFamily="34" charset="0"/>
+              </a:rPr>
+              <a:t> from </a:t>
+            </a:r>
+            <a:r>
+              <a:rPr lang="en-US" b="0" i="0" u="none" strike="noStrike" dirty="0">
+                <a:solidFill>
+                  <a:srgbClr val="3366CC"/>
+                </a:solidFill>
+                <a:effectLst/>
+                <a:latin typeface="Arial" panose="020B0604020202020204" pitchFamily="34" charset="0"/>
+                <a:hlinkClick r:id="rId4" tooltip="RSA Laboratories"/>
+              </a:rPr>
+              <a:t>RSA Laboratories</a:t>
+            </a:r>
+            <a:r>
+              <a:rPr lang="en-US" b="0" i="0" dirty="0">
+                <a:solidFill>
+                  <a:srgbClr val="202122"/>
+                </a:solidFill>
+                <a:effectLst/>
+                <a:latin typeface="Arial" panose="020B0604020202020204" pitchFamily="34" charset="0"/>
+              </a:rPr>
+              <a:t>) </a:t>
+            </a:r>
+          </a:p>
+          <a:p>
+            <a:pPr marL="0" lvl="0" indent="0" algn="l" rtl="0">
+              <a:spcBef>
+                <a:spcPts val="0"/>
+              </a:spcBef>
+              <a:spcAft>
+                <a:spcPts val="0"/>
+              </a:spcAft>
+              <a:buNone/>
+            </a:pPr>
+            <a:r>
+              <a:rPr lang="en-US" b="0" i="0" dirty="0">
+                <a:solidFill>
+                  <a:srgbClr val="202122"/>
+                </a:solidFill>
+                <a:effectLst/>
+                <a:latin typeface="Arial" panose="020B0604020202020204" pitchFamily="34" charset="0"/>
+              </a:rPr>
+              <a:t>The large memory requirements of </a:t>
+            </a:r>
+            <a:r>
+              <a:rPr lang="en-US" b="0" i="0" dirty="0" err="1">
+                <a:solidFill>
+                  <a:srgbClr val="202122"/>
+                </a:solidFill>
+                <a:effectLst/>
+                <a:latin typeface="Arial" panose="020B0604020202020204" pitchFamily="34" charset="0"/>
+              </a:rPr>
+              <a:t>scrypt</a:t>
+            </a:r>
+            <a:endParaRPr dirty="0"/>
           </a:p>
         </p:txBody>
       </p:sp>
@@ -3553,7 +3708,7 @@
         </p:nvSpPr>
         <p:spPr>
           <a:xfrm>
-            <a:off x="381300" y="685800"/>
+            <a:off x="381000" y="685800"/>
             <a:ext cx="6096000" cy="3429000"/>
           </a:xfrm>
           <a:custGeom>
@@ -3657,7 +3812,7 @@
         </p:nvSpPr>
         <p:spPr>
           <a:xfrm>
-            <a:off x="381300" y="685800"/>
+            <a:off x="381000" y="685800"/>
             <a:ext cx="6096000" cy="3429000"/>
           </a:xfrm>
           <a:custGeom>
@@ -3793,7 +3948,7 @@
         </p:nvSpPr>
         <p:spPr>
           <a:xfrm>
-            <a:off x="381300" y="685800"/>
+            <a:off x="381000" y="685800"/>
             <a:ext cx="6096000" cy="3429000"/>
           </a:xfrm>
           <a:custGeom>
@@ -14585,7 +14740,7 @@
             </a:pPr>
             <a:r>
               <a:rPr lang="en" dirty="0"/>
-              <a:t>We want Jian Xiang’s public key: Ask BC</a:t>
+              <a:t>We want Jian’s public key: Ask BC</a:t>
             </a:r>
             <a:endParaRPr dirty="0"/>
           </a:p>
@@ -14602,7 +14757,7 @@
             </a:pPr>
             <a:r>
               <a:rPr lang="en" dirty="0"/>
-              <a:t>We want David Wagner’s public key: Ask BC</a:t>
+              <a:t>We want Chao’s public key: Ask BC</a:t>
             </a:r>
             <a:endParaRPr dirty="0"/>
           </a:p>
@@ -14619,7 +14774,7 @@
             </a:pPr>
             <a:r>
               <a:rPr lang="en" dirty="0"/>
-              <a:t>We want XXX’s public key: Ask BC</a:t>
+              <a:t>We want Min’s public key: Ask BC</a:t>
             </a:r>
             <a:endParaRPr dirty="0"/>
           </a:p>
@@ -15475,7 +15630,7 @@
             </a:r>
             <a:r>
               <a:rPr lang="en" dirty="0"/>
-              <a:t>, and I trust her to sign for SIS”}</a:t>
+              <a:t>, and I trust him to sign for SIS”}</a:t>
             </a:r>
             <a:r>
               <a:rPr lang="en" sz="900" i="1" dirty="0"/>
@@ -15557,7 +15712,7 @@
             </a:r>
             <a:r>
               <a:rPr lang="en" dirty="0"/>
-              <a:t> (but I don’t trust she to sign for anyone else)”}</a:t>
+              <a:t> (but I don’t trust her to sign for anyone else)”}</a:t>
             </a:r>
             <a:r>
               <a:rPr lang="en" sz="900" i="1" dirty="0"/>
@@ -24400,14 +24555,14 @@
               <a:buChar char="●"/>
             </a:pPr>
             <a:r>
-              <a:rPr lang="en" b="1"/>
+              <a:rPr lang="en" b="1" dirty="0"/>
               <a:t>Password-based key derivation function 2 (PBKDF2)</a:t>
             </a:r>
             <a:r>
-              <a:rPr lang="en"/>
+              <a:rPr lang="en" dirty="0"/>
               <a:t>: A slow hash function</a:t>
             </a:r>
-            <a:endParaRPr/>
+            <a:endParaRPr dirty="0"/>
           </a:p>
           <a:p>
             <a:pPr marL="914400" lvl="1" indent="-317500" algn="l" rtl="0">
@@ -24421,10 +24576,10 @@
               <a:buChar char="○"/>
             </a:pPr>
             <a:r>
-              <a:rPr lang="en"/>
+              <a:rPr lang="en" dirty="0"/>
               <a:t>Setting: An underlying function that outputs random-looking bits (e.g. HMAC-SHA256)</a:t>
             </a:r>
-            <a:endParaRPr/>
+            <a:endParaRPr dirty="0"/>
           </a:p>
           <a:p>
             <a:pPr marL="914400" lvl="1" indent="-317500" algn="l" rtl="0">
@@ -24438,18 +24593,18 @@
               <a:buChar char="○"/>
             </a:pPr>
             <a:r>
-              <a:rPr lang="en"/>
+              <a:rPr lang="en" dirty="0"/>
               <a:t>Setting: The desired length of the output (</a:t>
             </a:r>
             <a:r>
-              <a:rPr lang="en" i="1"/>
+              <a:rPr lang="en" i="1" dirty="0"/>
               <a:t>n</a:t>
             </a:r>
             <a:r>
-              <a:rPr lang="en"/>
+              <a:rPr lang="en" dirty="0"/>
               <a:t>)</a:t>
             </a:r>
-            <a:endParaRPr/>
+            <a:endParaRPr dirty="0"/>
           </a:p>
           <a:p>
             <a:pPr marL="914400" lvl="1" indent="-317500" algn="l" rtl="0">
@@ -24463,10 +24618,10 @@
               <a:buChar char="○"/>
             </a:pPr>
             <a:r>
-              <a:rPr lang="en"/>
+              <a:rPr lang="en" dirty="0"/>
               <a:t>Setting: Iteration count (higher = hash is slower, lower = hash is faster)</a:t>
             </a:r>
-            <a:endParaRPr/>
+            <a:endParaRPr dirty="0"/>
           </a:p>
           <a:p>
             <a:pPr marL="914400" lvl="1" indent="-317500" algn="l" rtl="0">
@@ -24480,10 +24635,10 @@
               <a:buChar char="○"/>
             </a:pPr>
             <a:r>
-              <a:rPr lang="en"/>
+              <a:rPr lang="en" dirty="0"/>
               <a:t>Input: A password</a:t>
             </a:r>
-            <a:endParaRPr/>
+            <a:endParaRPr dirty="0"/>
           </a:p>
           <a:p>
             <a:pPr marL="914400" lvl="1" indent="-317500" algn="l" rtl="0">
@@ -24497,10 +24652,10 @@
               <a:buChar char="○"/>
             </a:pPr>
             <a:r>
-              <a:rPr lang="en"/>
+              <a:rPr lang="en" dirty="0"/>
               <a:t>Input: A salt</a:t>
             </a:r>
-            <a:endParaRPr/>
+            <a:endParaRPr dirty="0"/>
           </a:p>
           <a:p>
             <a:pPr marL="914400" lvl="1" indent="-317500" algn="l" rtl="0">
@@ -24514,18 +24669,18 @@
               <a:buChar char="○"/>
             </a:pPr>
             <a:r>
-              <a:rPr lang="en"/>
+              <a:rPr lang="en" dirty="0"/>
               <a:t>Output: A long, random-looking </a:t>
             </a:r>
             <a:r>
-              <a:rPr lang="en" i="1"/>
+              <a:rPr lang="en" i="1" dirty="0"/>
               <a:t>n</a:t>
             </a:r>
             <a:r>
-              <a:rPr lang="en"/>
+              <a:rPr lang="en" dirty="0"/>
               <a:t>-bit string derived from the password and salt</a:t>
             </a:r>
-            <a:endParaRPr/>
+            <a:endParaRPr dirty="0"/>
           </a:p>
           <a:p>
             <a:pPr marL="914400" lvl="1" indent="-317500" algn="l" rtl="0">
@@ -24539,10 +24694,10 @@
               <a:buChar char="○"/>
             </a:pPr>
             <a:r>
-              <a:rPr lang="en"/>
+              <a:rPr lang="en" dirty="0"/>
               <a:t>Implementation: Basically computing HMAC 10,000 times</a:t>
             </a:r>
-            <a:endParaRPr/>
+            <a:endParaRPr dirty="0"/>
           </a:p>
           <a:p>
             <a:pPr marL="457200" lvl="0" indent="-342900" algn="l" rtl="0">
@@ -24556,10 +24711,10 @@
               <a:buChar char="●"/>
             </a:pPr>
             <a:r>
-              <a:rPr lang="en"/>
+              <a:rPr lang="en" dirty="0"/>
               <a:t>Benefits (assuming the user password is strong)</a:t>
             </a:r>
-            <a:endParaRPr/>
+            <a:endParaRPr dirty="0"/>
           </a:p>
           <a:p>
             <a:pPr marL="914400" lvl="1" indent="-317500" algn="l" rtl="0">
@@ -24573,10 +24728,10 @@
               <a:buChar char="○"/>
             </a:pPr>
             <a:r>
-              <a:rPr lang="en"/>
+              <a:rPr lang="en" dirty="0"/>
               <a:t>Derives an arbitrarily long string from the user's password</a:t>
             </a:r>
-            <a:endParaRPr/>
+            <a:endParaRPr dirty="0"/>
           </a:p>
           <a:p>
             <a:pPr marL="914400" lvl="1" indent="-317500" algn="l" rtl="0">
@@ -24590,10 +24745,10 @@
               <a:buChar char="○"/>
             </a:pPr>
             <a:r>
-              <a:rPr lang="en"/>
+              <a:rPr lang="en" dirty="0"/>
               <a:t>Output can be directly used as a symmetric key</a:t>
             </a:r>
-            <a:endParaRPr/>
+            <a:endParaRPr dirty="0"/>
           </a:p>
           <a:p>
             <a:pPr marL="914400" lvl="1" indent="-317500" algn="l" rtl="0">
@@ -24607,10 +24762,10 @@
               <a:buChar char="○"/>
             </a:pPr>
             <a:r>
-              <a:rPr lang="en"/>
+              <a:rPr lang="en" dirty="0"/>
               <a:t>Output can also be used to seed a PRNG or generate a public/private key pair</a:t>
             </a:r>
-            <a:endParaRPr/>
+            <a:endParaRPr dirty="0"/>
           </a:p>
           <a:p>
             <a:pPr marL="914400" lvl="1" indent="-317500" algn="l" rtl="0">
@@ -24624,10 +24779,18 @@
               <a:buChar char="○"/>
             </a:pPr>
             <a:r>
-              <a:rPr lang="en"/>
-              <a:t>Algorithm is slow, but doesn't use a lot of memory (alternatives like Scrypt and Argon2 use more memory)</a:t>
-            </a:r>
-            <a:endParaRPr/>
+              <a:rPr lang="en" dirty="0"/>
+              <a:t>Algorithm is slow, but doesn't use a lot of memory (alternatives like </a:t>
+            </a:r>
+            <a:r>
+              <a:rPr lang="en" dirty="0" err="1"/>
+              <a:t>Scrypt</a:t>
+            </a:r>
+            <a:r>
+              <a:rPr lang="en" dirty="0"/>
+              <a:t> and Argon2 use more memory)</a:t>
+            </a:r>
+            <a:endParaRPr dirty="0"/>
           </a:p>
         </p:txBody>
       </p:sp>
@@ -25872,7 +26035,7 @@
 </file>
 
 <file path=ppt/slides/slide30.xml><?xml version="1.0" encoding="utf-8"?>
-<p:sld xmlns:a="http://schemas.openxmlformats.org/drawingml/2006/main" xmlns:r="http://schemas.openxmlformats.org/officeDocument/2006/relationships" xmlns:p="http://schemas.openxmlformats.org/presentationml/2006/main">
+<p:sld xmlns:a="http://schemas.openxmlformats.org/drawingml/2006/main" xmlns:r="http://schemas.openxmlformats.org/officeDocument/2006/relationships" xmlns:p="http://schemas.openxmlformats.org/presentationml/2006/main" show="0">
   <p:cSld>
     <p:spTree>
       <p:nvGrpSpPr>
@@ -25981,7 +26144,7 @@
 </file>
 
 <file path=ppt/slides/slide31.xml><?xml version="1.0" encoding="utf-8"?>
-<p:sld xmlns:a="http://schemas.openxmlformats.org/drawingml/2006/main" xmlns:r="http://schemas.openxmlformats.org/officeDocument/2006/relationships" xmlns:p="http://schemas.openxmlformats.org/presentationml/2006/main">
+<p:sld xmlns:a="http://schemas.openxmlformats.org/drawingml/2006/main" xmlns:r="http://schemas.openxmlformats.org/officeDocument/2006/relationships" xmlns:p="http://schemas.openxmlformats.org/presentationml/2006/main" show="0">
   <p:cSld>
     <p:spTree>
       <p:nvGrpSpPr>
@@ -26508,7 +26671,7 @@
 </file>
 
 <file path=ppt/slides/slide32.xml><?xml version="1.0" encoding="utf-8"?>
-<p:sld xmlns:a="http://schemas.openxmlformats.org/drawingml/2006/main" xmlns:r="http://schemas.openxmlformats.org/officeDocument/2006/relationships" xmlns:p="http://schemas.openxmlformats.org/presentationml/2006/main">
+<p:sld xmlns:a="http://schemas.openxmlformats.org/drawingml/2006/main" xmlns:r="http://schemas.openxmlformats.org/officeDocument/2006/relationships" xmlns:p="http://schemas.openxmlformats.org/presentationml/2006/main" show="0">
   <p:cSld>
     <p:spTree>
       <p:nvGrpSpPr>
@@ -27205,7 +27368,7 @@
 </file>
 
 <file path=ppt/slides/slide33.xml><?xml version="1.0" encoding="utf-8"?>
-<p:sld xmlns:a="http://schemas.openxmlformats.org/drawingml/2006/main" xmlns:r="http://schemas.openxmlformats.org/officeDocument/2006/relationships" xmlns:p="http://schemas.openxmlformats.org/presentationml/2006/main">
+<p:sld xmlns:a="http://schemas.openxmlformats.org/drawingml/2006/main" xmlns:r="http://schemas.openxmlformats.org/officeDocument/2006/relationships" xmlns:p="http://schemas.openxmlformats.org/presentationml/2006/main" show="0">
   <p:cSld>
     <p:spTree>
       <p:nvGrpSpPr>
@@ -33157,10 +33320,10 @@
               <a:buChar char="●"/>
             </a:pPr>
             <a:r>
-              <a:rPr lang="en"/>
+              <a:rPr lang="en" dirty="0"/>
               <a:t>Apple’s security philosophy:</a:t>
             </a:r>
-            <a:endParaRPr/>
+            <a:endParaRPr dirty="0"/>
           </a:p>
           <a:p>
             <a:pPr marL="914400" lvl="1" indent="-317500" algn="l" rtl="0">
@@ -33174,10 +33337,10 @@
               <a:buChar char="○"/>
             </a:pPr>
             <a:r>
-              <a:rPr lang="en"/>
+              <a:rPr lang="en" dirty="0"/>
               <a:t>In your hands, you can access everything on your phone</a:t>
             </a:r>
-            <a:endParaRPr/>
+            <a:endParaRPr dirty="0"/>
           </a:p>
           <a:p>
             <a:pPr marL="914400" lvl="1" indent="-317500" algn="l" rtl="0">
@@ -33191,10 +33354,10 @@
               <a:buChar char="○"/>
             </a:pPr>
             <a:r>
-              <a:rPr lang="en"/>
+              <a:rPr lang="en" dirty="0"/>
               <a:t>In anybody else’s hands, the phone is an inert “brick” (nothing can be accessed)</a:t>
             </a:r>
-            <a:endParaRPr/>
+            <a:endParaRPr dirty="0"/>
           </a:p>
           <a:p>
             <a:pPr marL="457200" lvl="0" indent="-342900" algn="l" rtl="0">
@@ -33208,10 +33371,10 @@
               <a:buChar char="●"/>
             </a:pPr>
             <a:r>
-              <a:rPr lang="en"/>
+              <a:rPr lang="en" dirty="0"/>
               <a:t>Apple uses a small co-processor in the phone to handle all cryptography</a:t>
             </a:r>
-            <a:endParaRPr/>
+            <a:endParaRPr dirty="0"/>
           </a:p>
           <a:p>
             <a:pPr marL="914400" lvl="1" indent="-317500" algn="l" rtl="0">
@@ -33225,10 +33388,10 @@
               <a:buChar char="○"/>
             </a:pPr>
             <a:r>
-              <a:rPr lang="en"/>
+              <a:rPr lang="en" dirty="0"/>
               <a:t>The “Secure Enclave” (recall: small TCB)</a:t>
             </a:r>
-            <a:endParaRPr/>
+            <a:endParaRPr dirty="0"/>
           </a:p>
           <a:p>
             <a:pPr marL="457200" lvl="0" indent="-342900" algn="l" rtl="0">
@@ -33242,10 +33405,10 @@
               <a:buChar char="●"/>
             </a:pPr>
             <a:r>
-              <a:rPr lang="en"/>
+              <a:rPr lang="en" dirty="0"/>
               <a:t>The rest of the phone is untrusted</a:t>
             </a:r>
-            <a:endParaRPr/>
+            <a:endParaRPr dirty="0"/>
           </a:p>
           <a:p>
             <a:pPr marL="914400" lvl="1" indent="-317500" algn="l" rtl="0">
@@ -33259,10 +33422,10 @@
               <a:buChar char="○"/>
             </a:pPr>
             <a:r>
-              <a:rPr lang="en"/>
+              <a:rPr lang="en" dirty="0"/>
               <a:t>Memory is untrusted, so all data must be encrypted</a:t>
             </a:r>
-            <a:endParaRPr/>
+            <a:endParaRPr dirty="0"/>
           </a:p>
           <a:p>
             <a:pPr marL="914400" lvl="1" indent="-317500" algn="l" rtl="0">
@@ -33276,10 +33439,10 @@
               <a:buChar char="○"/>
             </a:pPr>
             <a:r>
-              <a:rPr lang="en"/>
+              <a:rPr lang="en" dirty="0"/>
               <a:t>The CPU must ask the Secure Enclave to decrypt data</a:t>
             </a:r>
-            <a:endParaRPr/>
+            <a:endParaRPr dirty="0"/>
           </a:p>
           <a:p>
             <a:pPr marL="914400" lvl="1" indent="-317500" algn="l" rtl="0">
@@ -33293,10 +33456,10 @@
               <a:buChar char="○"/>
             </a:pPr>
             <a:r>
-              <a:rPr lang="en"/>
+              <a:rPr lang="en" dirty="0"/>
               <a:t>Some data (e.g. credit card information for Apple Pay) is only readable by the Secure Enclave</a:t>
             </a:r>
-            <a:endParaRPr/>
+            <a:endParaRPr dirty="0"/>
           </a:p>
           <a:p>
             <a:pPr marL="457200" lvl="0" indent="-342900" algn="l" rtl="0">
@@ -33310,10 +33473,10 @@
               <a:buChar char="●"/>
             </a:pPr>
             <a:r>
-              <a:rPr lang="en"/>
+              <a:rPr lang="en" dirty="0"/>
               <a:t>Effaceable Storage</a:t>
             </a:r>
-            <a:endParaRPr/>
+            <a:endParaRPr dirty="0"/>
           </a:p>
           <a:p>
             <a:pPr marL="914400" lvl="1" indent="-317500" algn="l" rtl="0">
@@ -33327,10 +33490,10 @@
               <a:buChar char="○"/>
             </a:pPr>
             <a:r>
-              <a:rPr lang="en"/>
+              <a:rPr lang="en" dirty="0"/>
               <a:t>Data is often stored in multiple places for redundancy, or not entirely wiped on deletion (for speed)</a:t>
             </a:r>
-            <a:endParaRPr/>
+            <a:endParaRPr dirty="0"/>
           </a:p>
           <a:p>
             <a:pPr marL="914400" lvl="1" indent="-317500" algn="l" rtl="0">
@@ -33344,10 +33507,10 @@
               <a:buChar char="○"/>
             </a:pPr>
             <a:r>
-              <a:rPr lang="en"/>
+              <a:rPr lang="en" dirty="0"/>
               <a:t>Effaceable storage: A section of memory where if memory is wiped, it is guaranteed to be gone</a:t>
             </a:r>
-            <a:endParaRPr/>
+            <a:endParaRPr dirty="0"/>
           </a:p>
           <a:p>
             <a:pPr marL="914400" lvl="1" indent="-317500" algn="l" rtl="0">
@@ -33361,10 +33524,10 @@
               <a:buChar char="○"/>
             </a:pPr>
             <a:r>
-              <a:rPr lang="en"/>
+              <a:rPr lang="en" dirty="0"/>
               <a:t>Requires some electrical engineering trickery to implement</a:t>
             </a:r>
-            <a:endParaRPr/>
+            <a:endParaRPr dirty="0"/>
           </a:p>
         </p:txBody>
       </p:sp>

--- a/teaching/ITIS6200/2023fa/lectures/lec07.pptx
+++ b/teaching/ITIS6200/2023fa/lectures/lec07.pptx
@@ -14568,673 +14568,6 @@
   <p:clrMapOvr>
     <a:masterClrMapping/>
   </p:clrMapOvr>
-  <p:timing>
-    <p:tnLst>
-      <p:par>
-        <p:cTn id="1" dur="indefinite" restart="never" nodeType="tmRoot">
-          <p:childTnLst>
-            <p:seq concurrent="1" nextAc="seek">
-              <p:cTn id="2" dur="indefinite" nodeType="mainSeq">
-                <p:childTnLst>
-                  <p:par>
-                    <p:cTn id="3" fill="hold">
-                      <p:stCondLst>
-                        <p:cond delay="indefinite"/>
-                      </p:stCondLst>
-                      <p:childTnLst>
-                        <p:par>
-                          <p:cTn id="4" fill="hold">
-                            <p:stCondLst>
-                              <p:cond delay="0"/>
-                            </p:stCondLst>
-                            <p:childTnLst>
-                              <p:par>
-                                <p:cTn id="5" presetID="1" presetClass="entr" presetSubtype="0" fill="hold" nodeType="clickEffect">
-                                  <p:stCondLst>
-                                    <p:cond delay="0"/>
-                                  </p:stCondLst>
-                                  <p:childTnLst>
-                                    <p:set>
-                                      <p:cBhvr>
-                                        <p:cTn id="6" dur="1" fill="hold">
-                                          <p:stCondLst>
-                                            <p:cond delay="0"/>
-                                          </p:stCondLst>
-                                        </p:cTn>
-                                        <p:tgtEl>
-                                          <p:spTgt spid="168">
-                                            <p:txEl>
-                                              <p:pRg st="0" end="0"/>
-                                            </p:txEl>
-                                          </p:spTgt>
-                                        </p:tgtEl>
-                                        <p:attrNameLst>
-                                          <p:attrName>style.visibility</p:attrName>
-                                        </p:attrNameLst>
-                                      </p:cBhvr>
-                                      <p:to>
-                                        <p:strVal val="visible"/>
-                                      </p:to>
-                                    </p:set>
-                                  </p:childTnLst>
-                                </p:cTn>
-                              </p:par>
-                            </p:childTnLst>
-                          </p:cTn>
-                        </p:par>
-                      </p:childTnLst>
-                    </p:cTn>
-                  </p:par>
-                  <p:par>
-                    <p:cTn id="7" fill="hold">
-                      <p:stCondLst>
-                        <p:cond delay="indefinite"/>
-                      </p:stCondLst>
-                      <p:childTnLst>
-                        <p:par>
-                          <p:cTn id="8" fill="hold">
-                            <p:stCondLst>
-                              <p:cond delay="0"/>
-                            </p:stCondLst>
-                            <p:childTnLst>
-                              <p:par>
-                                <p:cTn id="9" presetID="1" presetClass="entr" presetSubtype="0" fill="hold" nodeType="clickEffect">
-                                  <p:stCondLst>
-                                    <p:cond delay="0"/>
-                                  </p:stCondLst>
-                                  <p:childTnLst>
-                                    <p:set>
-                                      <p:cBhvr>
-                                        <p:cTn id="10" dur="1" fill="hold">
-                                          <p:stCondLst>
-                                            <p:cond delay="0"/>
-                                          </p:stCondLst>
-                                        </p:cTn>
-                                        <p:tgtEl>
-                                          <p:spTgt spid="168">
-                                            <p:txEl>
-                                              <p:pRg st="1" end="1"/>
-                                            </p:txEl>
-                                          </p:spTgt>
-                                        </p:tgtEl>
-                                        <p:attrNameLst>
-                                          <p:attrName>style.visibility</p:attrName>
-                                        </p:attrNameLst>
-                                      </p:cBhvr>
-                                      <p:to>
-                                        <p:strVal val="visible"/>
-                                      </p:to>
-                                    </p:set>
-                                  </p:childTnLst>
-                                </p:cTn>
-                              </p:par>
-                            </p:childTnLst>
-                          </p:cTn>
-                        </p:par>
-                      </p:childTnLst>
-                    </p:cTn>
-                  </p:par>
-                  <p:par>
-                    <p:cTn id="11" fill="hold">
-                      <p:stCondLst>
-                        <p:cond delay="indefinite"/>
-                      </p:stCondLst>
-                      <p:childTnLst>
-                        <p:par>
-                          <p:cTn id="12" fill="hold">
-                            <p:stCondLst>
-                              <p:cond delay="0"/>
-                            </p:stCondLst>
-                            <p:childTnLst>
-                              <p:par>
-                                <p:cTn id="13" presetID="1" presetClass="entr" presetSubtype="0" fill="hold" nodeType="clickEffect">
-                                  <p:stCondLst>
-                                    <p:cond delay="0"/>
-                                  </p:stCondLst>
-                                  <p:childTnLst>
-                                    <p:set>
-                                      <p:cBhvr>
-                                        <p:cTn id="14" dur="1" fill="hold">
-                                          <p:stCondLst>
-                                            <p:cond delay="0"/>
-                                          </p:stCondLst>
-                                        </p:cTn>
-                                        <p:tgtEl>
-                                          <p:spTgt spid="168">
-                                            <p:txEl>
-                                              <p:pRg st="2" end="2"/>
-                                            </p:txEl>
-                                          </p:spTgt>
-                                        </p:tgtEl>
-                                        <p:attrNameLst>
-                                          <p:attrName>style.visibility</p:attrName>
-                                        </p:attrNameLst>
-                                      </p:cBhvr>
-                                      <p:to>
-                                        <p:strVal val="visible"/>
-                                      </p:to>
-                                    </p:set>
-                                  </p:childTnLst>
-                                </p:cTn>
-                              </p:par>
-                            </p:childTnLst>
-                          </p:cTn>
-                        </p:par>
-                      </p:childTnLst>
-                    </p:cTn>
-                  </p:par>
-                  <p:par>
-                    <p:cTn id="15" fill="hold">
-                      <p:stCondLst>
-                        <p:cond delay="indefinite"/>
-                      </p:stCondLst>
-                      <p:childTnLst>
-                        <p:par>
-                          <p:cTn id="16" fill="hold">
-                            <p:stCondLst>
-                              <p:cond delay="0"/>
-                            </p:stCondLst>
-                            <p:childTnLst>
-                              <p:par>
-                                <p:cTn id="17" presetID="1" presetClass="entr" presetSubtype="0" fill="hold" nodeType="clickEffect">
-                                  <p:stCondLst>
-                                    <p:cond delay="0"/>
-                                  </p:stCondLst>
-                                  <p:childTnLst>
-                                    <p:set>
-                                      <p:cBhvr>
-                                        <p:cTn id="18" dur="1" fill="hold">
-                                          <p:stCondLst>
-                                            <p:cond delay="0"/>
-                                          </p:stCondLst>
-                                        </p:cTn>
-                                        <p:tgtEl>
-                                          <p:spTgt spid="168">
-                                            <p:txEl>
-                                              <p:pRg st="3" end="3"/>
-                                            </p:txEl>
-                                          </p:spTgt>
-                                        </p:tgtEl>
-                                        <p:attrNameLst>
-                                          <p:attrName>style.visibility</p:attrName>
-                                        </p:attrNameLst>
-                                      </p:cBhvr>
-                                      <p:to>
-                                        <p:strVal val="visible"/>
-                                      </p:to>
-                                    </p:set>
-                                  </p:childTnLst>
-                                </p:cTn>
-                              </p:par>
-                            </p:childTnLst>
-                          </p:cTn>
-                        </p:par>
-                      </p:childTnLst>
-                    </p:cTn>
-                  </p:par>
-                  <p:par>
-                    <p:cTn id="19" fill="hold">
-                      <p:stCondLst>
-                        <p:cond delay="indefinite"/>
-                      </p:stCondLst>
-                      <p:childTnLst>
-                        <p:par>
-                          <p:cTn id="20" fill="hold">
-                            <p:stCondLst>
-                              <p:cond delay="0"/>
-                            </p:stCondLst>
-                            <p:childTnLst>
-                              <p:par>
-                                <p:cTn id="21" presetID="1" presetClass="entr" presetSubtype="0" fill="hold" nodeType="clickEffect">
-                                  <p:stCondLst>
-                                    <p:cond delay="0"/>
-                                  </p:stCondLst>
-                                  <p:childTnLst>
-                                    <p:set>
-                                      <p:cBhvr>
-                                        <p:cTn id="22" dur="1" fill="hold">
-                                          <p:stCondLst>
-                                            <p:cond delay="0"/>
-                                          </p:stCondLst>
-                                        </p:cTn>
-                                        <p:tgtEl>
-                                          <p:spTgt spid="168">
-                                            <p:txEl>
-                                              <p:pRg st="4" end="4"/>
-                                            </p:txEl>
-                                          </p:spTgt>
-                                        </p:tgtEl>
-                                        <p:attrNameLst>
-                                          <p:attrName>style.visibility</p:attrName>
-                                        </p:attrNameLst>
-                                      </p:cBhvr>
-                                      <p:to>
-                                        <p:strVal val="visible"/>
-                                      </p:to>
-                                    </p:set>
-                                  </p:childTnLst>
-                                </p:cTn>
-                              </p:par>
-                            </p:childTnLst>
-                          </p:cTn>
-                        </p:par>
-                      </p:childTnLst>
-                    </p:cTn>
-                  </p:par>
-                  <p:par>
-                    <p:cTn id="23" fill="hold">
-                      <p:stCondLst>
-                        <p:cond delay="indefinite"/>
-                      </p:stCondLst>
-                      <p:childTnLst>
-                        <p:par>
-                          <p:cTn id="24" fill="hold">
-                            <p:stCondLst>
-                              <p:cond delay="0"/>
-                            </p:stCondLst>
-                            <p:childTnLst>
-                              <p:par>
-                                <p:cTn id="25" presetID="1" presetClass="entr" presetSubtype="0" fill="hold" nodeType="clickEffect">
-                                  <p:stCondLst>
-                                    <p:cond delay="0"/>
-                                  </p:stCondLst>
-                                  <p:childTnLst>
-                                    <p:set>
-                                      <p:cBhvr>
-                                        <p:cTn id="26" dur="1" fill="hold">
-                                          <p:stCondLst>
-                                            <p:cond delay="0"/>
-                                          </p:stCondLst>
-                                        </p:cTn>
-                                        <p:tgtEl>
-                                          <p:spTgt spid="168">
-                                            <p:txEl>
-                                              <p:pRg st="5" end="5"/>
-                                            </p:txEl>
-                                          </p:spTgt>
-                                        </p:tgtEl>
-                                        <p:attrNameLst>
-                                          <p:attrName>style.visibility</p:attrName>
-                                        </p:attrNameLst>
-                                      </p:cBhvr>
-                                      <p:to>
-                                        <p:strVal val="visible"/>
-                                      </p:to>
-                                    </p:set>
-                                  </p:childTnLst>
-                                </p:cTn>
-                              </p:par>
-                            </p:childTnLst>
-                          </p:cTn>
-                        </p:par>
-                      </p:childTnLst>
-                    </p:cTn>
-                  </p:par>
-                  <p:par>
-                    <p:cTn id="27" fill="hold">
-                      <p:stCondLst>
-                        <p:cond delay="indefinite"/>
-                      </p:stCondLst>
-                      <p:childTnLst>
-                        <p:par>
-                          <p:cTn id="28" fill="hold">
-                            <p:stCondLst>
-                              <p:cond delay="0"/>
-                            </p:stCondLst>
-                            <p:childTnLst>
-                              <p:par>
-                                <p:cTn id="29" presetID="1" presetClass="entr" presetSubtype="0" fill="hold" nodeType="clickEffect">
-                                  <p:stCondLst>
-                                    <p:cond delay="0"/>
-                                  </p:stCondLst>
-                                  <p:childTnLst>
-                                    <p:set>
-                                      <p:cBhvr>
-                                        <p:cTn id="30" dur="1" fill="hold">
-                                          <p:stCondLst>
-                                            <p:cond delay="0"/>
-                                          </p:stCondLst>
-                                        </p:cTn>
-                                        <p:tgtEl>
-                                          <p:spTgt spid="168">
-                                            <p:txEl>
-                                              <p:pRg st="6" end="6"/>
-                                            </p:txEl>
-                                          </p:spTgt>
-                                        </p:tgtEl>
-                                        <p:attrNameLst>
-                                          <p:attrName>style.visibility</p:attrName>
-                                        </p:attrNameLst>
-                                      </p:cBhvr>
-                                      <p:to>
-                                        <p:strVal val="visible"/>
-                                      </p:to>
-                                    </p:set>
-                                  </p:childTnLst>
-                                </p:cTn>
-                              </p:par>
-                            </p:childTnLst>
-                          </p:cTn>
-                        </p:par>
-                      </p:childTnLst>
-                    </p:cTn>
-                  </p:par>
-                  <p:par>
-                    <p:cTn id="31" fill="hold">
-                      <p:stCondLst>
-                        <p:cond delay="indefinite"/>
-                      </p:stCondLst>
-                      <p:childTnLst>
-                        <p:par>
-                          <p:cTn id="32" fill="hold">
-                            <p:stCondLst>
-                              <p:cond delay="0"/>
-                            </p:stCondLst>
-                            <p:childTnLst>
-                              <p:par>
-                                <p:cTn id="33" presetID="1" presetClass="entr" presetSubtype="0" fill="hold" nodeType="clickEffect">
-                                  <p:stCondLst>
-                                    <p:cond delay="0"/>
-                                  </p:stCondLst>
-                                  <p:childTnLst>
-                                    <p:set>
-                                      <p:cBhvr>
-                                        <p:cTn id="34" dur="1" fill="hold">
-                                          <p:stCondLst>
-                                            <p:cond delay="0"/>
-                                          </p:stCondLst>
-                                        </p:cTn>
-                                        <p:tgtEl>
-                                          <p:spTgt spid="168">
-                                            <p:txEl>
-                                              <p:pRg st="7" end="7"/>
-                                            </p:txEl>
-                                          </p:spTgt>
-                                        </p:tgtEl>
-                                        <p:attrNameLst>
-                                          <p:attrName>style.visibility</p:attrName>
-                                        </p:attrNameLst>
-                                      </p:cBhvr>
-                                      <p:to>
-                                        <p:strVal val="visible"/>
-                                      </p:to>
-                                    </p:set>
-                                  </p:childTnLst>
-                                </p:cTn>
-                              </p:par>
-                            </p:childTnLst>
-                          </p:cTn>
-                        </p:par>
-                      </p:childTnLst>
-                    </p:cTn>
-                  </p:par>
-                  <p:par>
-                    <p:cTn id="35" fill="hold">
-                      <p:stCondLst>
-                        <p:cond delay="indefinite"/>
-                      </p:stCondLst>
-                      <p:childTnLst>
-                        <p:par>
-                          <p:cTn id="36" fill="hold">
-                            <p:stCondLst>
-                              <p:cond delay="0"/>
-                            </p:stCondLst>
-                            <p:childTnLst>
-                              <p:par>
-                                <p:cTn id="37" presetID="1" presetClass="entr" presetSubtype="0" fill="hold" nodeType="clickEffect">
-                                  <p:stCondLst>
-                                    <p:cond delay="0"/>
-                                  </p:stCondLst>
-                                  <p:childTnLst>
-                                    <p:set>
-                                      <p:cBhvr>
-                                        <p:cTn id="38" dur="1" fill="hold">
-                                          <p:stCondLst>
-                                            <p:cond delay="0"/>
-                                          </p:stCondLst>
-                                        </p:cTn>
-                                        <p:tgtEl>
-                                          <p:spTgt spid="168">
-                                            <p:txEl>
-                                              <p:pRg st="8" end="8"/>
-                                            </p:txEl>
-                                          </p:spTgt>
-                                        </p:tgtEl>
-                                        <p:attrNameLst>
-                                          <p:attrName>style.visibility</p:attrName>
-                                        </p:attrNameLst>
-                                      </p:cBhvr>
-                                      <p:to>
-                                        <p:strVal val="visible"/>
-                                      </p:to>
-                                    </p:set>
-                                  </p:childTnLst>
-                                </p:cTn>
-                              </p:par>
-                            </p:childTnLst>
-                          </p:cTn>
-                        </p:par>
-                      </p:childTnLst>
-                    </p:cTn>
-                  </p:par>
-                  <p:par>
-                    <p:cTn id="39" fill="hold">
-                      <p:stCondLst>
-                        <p:cond delay="indefinite"/>
-                      </p:stCondLst>
-                      <p:childTnLst>
-                        <p:par>
-                          <p:cTn id="40" fill="hold">
-                            <p:stCondLst>
-                              <p:cond delay="0"/>
-                            </p:stCondLst>
-                            <p:childTnLst>
-                              <p:par>
-                                <p:cTn id="41" presetID="1" presetClass="entr" presetSubtype="0" fill="hold" nodeType="clickEffect">
-                                  <p:stCondLst>
-                                    <p:cond delay="0"/>
-                                  </p:stCondLst>
-                                  <p:childTnLst>
-                                    <p:set>
-                                      <p:cBhvr>
-                                        <p:cTn id="42" dur="1" fill="hold">
-                                          <p:stCondLst>
-                                            <p:cond delay="0"/>
-                                          </p:stCondLst>
-                                        </p:cTn>
-                                        <p:tgtEl>
-                                          <p:spTgt spid="168">
-                                            <p:txEl>
-                                              <p:pRg st="9" end="9"/>
-                                            </p:txEl>
-                                          </p:spTgt>
-                                        </p:tgtEl>
-                                        <p:attrNameLst>
-                                          <p:attrName>style.visibility</p:attrName>
-                                        </p:attrNameLst>
-                                      </p:cBhvr>
-                                      <p:to>
-                                        <p:strVal val="visible"/>
-                                      </p:to>
-                                    </p:set>
-                                  </p:childTnLst>
-                                </p:cTn>
-                              </p:par>
-                            </p:childTnLst>
-                          </p:cTn>
-                        </p:par>
-                      </p:childTnLst>
-                    </p:cTn>
-                  </p:par>
-                  <p:par>
-                    <p:cTn id="43" fill="hold">
-                      <p:stCondLst>
-                        <p:cond delay="indefinite"/>
-                      </p:stCondLst>
-                      <p:childTnLst>
-                        <p:par>
-                          <p:cTn id="44" fill="hold">
-                            <p:stCondLst>
-                              <p:cond delay="0"/>
-                            </p:stCondLst>
-                            <p:childTnLst>
-                              <p:par>
-                                <p:cTn id="45" presetID="1" presetClass="entr" presetSubtype="0" fill="hold" nodeType="clickEffect">
-                                  <p:stCondLst>
-                                    <p:cond delay="0"/>
-                                  </p:stCondLst>
-                                  <p:childTnLst>
-                                    <p:set>
-                                      <p:cBhvr>
-                                        <p:cTn id="46" dur="1" fill="hold">
-                                          <p:stCondLst>
-                                            <p:cond delay="0"/>
-                                          </p:stCondLst>
-                                        </p:cTn>
-                                        <p:tgtEl>
-                                          <p:spTgt spid="168">
-                                            <p:txEl>
-                                              <p:pRg st="10" end="10"/>
-                                            </p:txEl>
-                                          </p:spTgt>
-                                        </p:tgtEl>
-                                        <p:attrNameLst>
-                                          <p:attrName>style.visibility</p:attrName>
-                                        </p:attrNameLst>
-                                      </p:cBhvr>
-                                      <p:to>
-                                        <p:strVal val="visible"/>
-                                      </p:to>
-                                    </p:set>
-                                  </p:childTnLst>
-                                </p:cTn>
-                              </p:par>
-                            </p:childTnLst>
-                          </p:cTn>
-                        </p:par>
-                      </p:childTnLst>
-                    </p:cTn>
-                  </p:par>
-                  <p:par>
-                    <p:cTn id="47" fill="hold">
-                      <p:stCondLst>
-                        <p:cond delay="indefinite"/>
-                      </p:stCondLst>
-                      <p:childTnLst>
-                        <p:par>
-                          <p:cTn id="48" fill="hold">
-                            <p:stCondLst>
-                              <p:cond delay="0"/>
-                            </p:stCondLst>
-                            <p:childTnLst>
-                              <p:par>
-                                <p:cTn id="49" presetID="1" presetClass="entr" presetSubtype="0" fill="hold" nodeType="clickEffect">
-                                  <p:stCondLst>
-                                    <p:cond delay="0"/>
-                                  </p:stCondLst>
-                                  <p:childTnLst>
-                                    <p:set>
-                                      <p:cBhvr>
-                                        <p:cTn id="50" dur="1" fill="hold">
-                                          <p:stCondLst>
-                                            <p:cond delay="0"/>
-                                          </p:stCondLst>
-                                        </p:cTn>
-                                        <p:tgtEl>
-                                          <p:spTgt spid="168">
-                                            <p:txEl>
-                                              <p:pRg st="11" end="11"/>
-                                            </p:txEl>
-                                          </p:spTgt>
-                                        </p:tgtEl>
-                                        <p:attrNameLst>
-                                          <p:attrName>style.visibility</p:attrName>
-                                        </p:attrNameLst>
-                                      </p:cBhvr>
-                                      <p:to>
-                                        <p:strVal val="visible"/>
-                                      </p:to>
-                                    </p:set>
-                                  </p:childTnLst>
-                                </p:cTn>
-                              </p:par>
-                            </p:childTnLst>
-                          </p:cTn>
-                        </p:par>
-                      </p:childTnLst>
-                    </p:cTn>
-                  </p:par>
-                  <p:par>
-                    <p:cTn id="51" fill="hold">
-                      <p:stCondLst>
-                        <p:cond delay="indefinite"/>
-                      </p:stCondLst>
-                      <p:childTnLst>
-                        <p:par>
-                          <p:cTn id="52" fill="hold">
-                            <p:stCondLst>
-                              <p:cond delay="0"/>
-                            </p:stCondLst>
-                            <p:childTnLst>
-                              <p:par>
-                                <p:cTn id="53" presetID="1" presetClass="entr" presetSubtype="0" fill="hold" nodeType="clickEffect">
-                                  <p:stCondLst>
-                                    <p:cond delay="0"/>
-                                  </p:stCondLst>
-                                  <p:childTnLst>
-                                    <p:set>
-                                      <p:cBhvr>
-                                        <p:cTn id="54" dur="1" fill="hold">
-                                          <p:stCondLst>
-                                            <p:cond delay="0"/>
-                                          </p:stCondLst>
-                                        </p:cTn>
-                                        <p:tgtEl>
-                                          <p:spTgt spid="168">
-                                            <p:txEl>
-                                              <p:pRg st="12" end="12"/>
-                                            </p:txEl>
-                                          </p:spTgt>
-                                        </p:tgtEl>
-                                        <p:attrNameLst>
-                                          <p:attrName>style.visibility</p:attrName>
-                                        </p:attrNameLst>
-                                      </p:cBhvr>
-                                      <p:to>
-                                        <p:strVal val="visible"/>
-                                      </p:to>
-                                    </p:set>
-                                  </p:childTnLst>
-                                </p:cTn>
-                              </p:par>
-                            </p:childTnLst>
-                          </p:cTn>
-                        </p:par>
-                      </p:childTnLst>
-                    </p:cTn>
-                  </p:par>
-                </p:childTnLst>
-              </p:cTn>
-              <p:prevCondLst>
-                <p:cond evt="onPrev" delay="0">
-                  <p:tgtEl>
-                    <p:sldTgt/>
-                  </p:tgtEl>
-                </p:cond>
-              </p:prevCondLst>
-              <p:nextCondLst>
-                <p:cond evt="onNext" delay="0">
-                  <p:tgtEl>
-                    <p:sldTgt/>
-                  </p:tgtEl>
-                </p:cond>
-              </p:nextCondLst>
-            </p:seq>
-          </p:childTnLst>
-        </p:cTn>
-      </p:par>
-    </p:tnLst>
-  </p:timing>
 </p:sld>
 </file>
 
@@ -15333,10 +14666,10 @@
               <a:buChar char="●"/>
             </a:pPr>
             <a:r>
-              <a:rPr lang="en"/>
+              <a:rPr lang="en" dirty="0"/>
               <a:t>Approach #2: Periodically release a list of invalidated certificates</a:t>
             </a:r>
-            <a:endParaRPr/>
+            <a:endParaRPr dirty="0"/>
           </a:p>
           <a:p>
             <a:pPr marL="914400" lvl="1" indent="-317500" algn="l" rtl="0">
@@ -15350,10 +14683,10 @@
               <a:buChar char="○"/>
             </a:pPr>
             <a:r>
-              <a:rPr lang="en"/>
+              <a:rPr lang="en" dirty="0"/>
               <a:t>Users must periodically download a Certification Revocation List (CRL)</a:t>
             </a:r>
-            <a:endParaRPr/>
+            <a:endParaRPr dirty="0"/>
           </a:p>
           <a:p>
             <a:pPr marL="457200" lvl="0" indent="-342900" algn="l" rtl="0">
@@ -15367,10 +14700,10 @@
               <a:buChar char="●"/>
             </a:pPr>
             <a:r>
-              <a:rPr lang="en"/>
+              <a:rPr lang="en" dirty="0"/>
               <a:t>How do we authenticate the list?</a:t>
             </a:r>
-            <a:endParaRPr/>
+            <a:endParaRPr dirty="0"/>
           </a:p>
           <a:p>
             <a:pPr marL="914400" lvl="1" indent="-317500" algn="l" rtl="0">
@@ -15384,10 +14717,10 @@
               <a:buChar char="○"/>
             </a:pPr>
             <a:r>
-              <a:rPr lang="en"/>
+              <a:rPr lang="en" dirty="0"/>
               <a:t>The certificate authority signs the list!</a:t>
             </a:r>
-            <a:endParaRPr/>
+            <a:endParaRPr dirty="0"/>
           </a:p>
           <a:p>
             <a:pPr marL="1371600" lvl="2" indent="-317500" algn="l" rtl="0">
@@ -15401,22 +14734,22 @@
               <a:buChar char="■"/>
             </a:pPr>
             <a:r>
-              <a:rPr lang="en"/>
+              <a:rPr lang="en" dirty="0"/>
               <a:t>{“The certificate with serial number 0xdeadbeef is now revoked”}</a:t>
             </a:r>
             <a:r>
-              <a:rPr lang="en" sz="900" i="1"/>
+              <a:rPr lang="en" sz="900" i="1" dirty="0"/>
               <a:t>SK</a:t>
             </a:r>
             <a:r>
-              <a:rPr lang="en" sz="600"/>
+              <a:rPr lang="en" sz="600" dirty="0"/>
               <a:t>CA</a:t>
             </a:r>
             <a:r>
-              <a:rPr lang="en" sz="900" baseline="30000"/>
+              <a:rPr lang="en" sz="900" baseline="30000" dirty="0"/>
               <a:t>-1</a:t>
             </a:r>
-            <a:endParaRPr sz="900" baseline="30000"/>
+            <a:endParaRPr sz="900" baseline="30000" dirty="0"/>
           </a:p>
           <a:p>
             <a:pPr marL="457200" lvl="0" indent="-342900" algn="l" rtl="0">
@@ -15430,10 +14763,10 @@
               <a:buChar char="●"/>
             </a:pPr>
             <a:r>
-              <a:rPr lang="en"/>
+              <a:rPr lang="en" dirty="0"/>
               <a:t>Drawbacks</a:t>
             </a:r>
-            <a:endParaRPr/>
+            <a:endParaRPr dirty="0"/>
           </a:p>
           <a:p>
             <a:pPr marL="914400" lvl="1" indent="-317500" algn="l" rtl="0">
@@ -15447,10 +14780,10 @@
               <a:buChar char="○"/>
             </a:pPr>
             <a:r>
-              <a:rPr lang="en"/>
+              <a:rPr lang="en" dirty="0"/>
               <a:t>Lists can get large</a:t>
             </a:r>
-            <a:endParaRPr/>
+            <a:endParaRPr dirty="0"/>
           </a:p>
           <a:p>
             <a:pPr marL="1371600" lvl="2" indent="-317500" algn="l" rtl="0">
@@ -15464,10 +14797,10 @@
               <a:buChar char="■"/>
             </a:pPr>
             <a:r>
-              <a:rPr lang="en"/>
+              <a:rPr lang="en" dirty="0"/>
               <a:t>Mitigated by shorter expiration dates (don’t have to list them once they expire)</a:t>
             </a:r>
-            <a:endParaRPr/>
+            <a:endParaRPr dirty="0"/>
           </a:p>
           <a:p>
             <a:pPr marL="914400" lvl="1" indent="-317500" algn="l" rtl="0">
@@ -15481,10 +14814,10 @@
               <a:buChar char="○"/>
             </a:pPr>
             <a:r>
-              <a:rPr lang="en"/>
+              <a:rPr lang="en" dirty="0"/>
               <a:t>Until a user downloads a list, they won’t know which certificates are revoked</a:t>
             </a:r>
-            <a:endParaRPr/>
+            <a:endParaRPr dirty="0"/>
           </a:p>
           <a:p>
             <a:pPr marL="457200" lvl="0" indent="-342900" algn="l" rtl="0">
@@ -15498,10 +14831,10 @@
               <a:buChar char="●"/>
             </a:pPr>
             <a:r>
-              <a:rPr lang="en"/>
+              <a:rPr lang="en" dirty="0"/>
               <a:t>What happens if the certificate authority is unavailable?</a:t>
             </a:r>
-            <a:endParaRPr/>
+            <a:endParaRPr dirty="0"/>
           </a:p>
           <a:p>
             <a:pPr marL="914400" lvl="1" indent="-317500" algn="l" rtl="0">
@@ -15515,10 +14848,10 @@
               <a:buChar char="○"/>
             </a:pPr>
             <a:r>
-              <a:rPr lang="en"/>
+              <a:rPr lang="en" dirty="0"/>
               <a:t>Fail-safe default: Assume all certificates are invalid? Now we can’t trust anybody!</a:t>
             </a:r>
-            <a:endParaRPr/>
+            <a:endParaRPr dirty="0"/>
           </a:p>
           <a:p>
             <a:pPr marL="1371600" lvl="2" indent="-317500" algn="l" rtl="0">
@@ -15532,10 +14865,10 @@
               <a:buChar char="■"/>
             </a:pPr>
             <a:r>
-              <a:rPr lang="en"/>
+              <a:rPr lang="en" dirty="0"/>
               <a:t>Possible attack: Attacker forces the CA to be unavailable (denial of service attack)</a:t>
             </a:r>
-            <a:endParaRPr/>
+            <a:endParaRPr dirty="0"/>
           </a:p>
           <a:p>
             <a:pPr marL="914400" lvl="1" indent="-317500" algn="l" rtl="0">
@@ -15549,10 +14882,10 @@
               <a:buChar char="○"/>
             </a:pPr>
             <a:r>
-              <a:rPr lang="en"/>
+              <a:rPr lang="en" dirty="0"/>
               <a:t>Use old list: Potentially dangerous if the old list is missing newly revoked certificates</a:t>
             </a:r>
-            <a:endParaRPr/>
+            <a:endParaRPr dirty="0"/>
           </a:p>
         </p:txBody>
       </p:sp>
@@ -16383,139 +15716,11 @@
   <p:clrMapOvr>
     <a:masterClrMapping/>
   </p:clrMapOvr>
-  <p:timing>
-    <p:tnLst>
-      <p:par>
-        <p:cTn id="1" dur="indefinite" restart="never" nodeType="tmRoot">
-          <p:childTnLst>
-            <p:seq concurrent="1" nextAc="seek">
-              <p:cTn id="2" dur="indefinite" nodeType="mainSeq">
-                <p:childTnLst>
-                  <p:par>
-                    <p:cTn id="3" fill="hold">
-                      <p:stCondLst>
-                        <p:cond delay="indefinite"/>
-                      </p:stCondLst>
-                      <p:childTnLst>
-                        <p:par>
-                          <p:cTn id="4" fill="hold">
-                            <p:stCondLst>
-                              <p:cond delay="0"/>
-                            </p:stCondLst>
-                            <p:childTnLst>
-                              <p:par>
-                                <p:cTn id="5" presetID="1" presetClass="entr" presetSubtype="0" fill="hold" nodeType="clickEffect">
-                                  <p:stCondLst>
-                                    <p:cond delay="0"/>
-                                  </p:stCondLst>
-                                  <p:childTnLst>
-                                    <p:set>
-                                      <p:cBhvr>
-                                        <p:cTn id="6" dur="1" fill="hold">
-                                          <p:stCondLst>
-                                            <p:cond delay="0"/>
-                                          </p:stCondLst>
-                                        </p:cTn>
-                                        <p:tgtEl>
-                                          <p:spTgt spid="180">
-                                            <p:txEl>
-                                              <p:pRg st="0" end="0"/>
-                                            </p:txEl>
-                                          </p:spTgt>
-                                        </p:tgtEl>
-                                        <p:attrNameLst>
-                                          <p:attrName>style.visibility</p:attrName>
-                                        </p:attrNameLst>
-                                      </p:cBhvr>
-                                      <p:to>
-                                        <p:strVal val="visible"/>
-                                      </p:to>
-                                    </p:set>
-                                  </p:childTnLst>
-                                </p:cTn>
-                              </p:par>
-                            </p:childTnLst>
-                          </p:cTn>
-                        </p:par>
-                      </p:childTnLst>
-                    </p:cTn>
-                  </p:par>
-                  <p:par>
-                    <p:cTn id="7" fill="hold">
-                      <p:stCondLst>
-                        <p:cond delay="indefinite"/>
-                      </p:stCondLst>
-                      <p:childTnLst>
-                        <p:par>
-                          <p:cTn id="8" fill="hold">
-                            <p:stCondLst>
-                              <p:cond delay="0"/>
-                            </p:stCondLst>
-                            <p:childTnLst>
-                              <p:par>
-                                <p:cTn id="9" presetID="1" presetClass="entr" presetSubtype="0" fill="hold" nodeType="clickEffect">
-                                  <p:stCondLst>
-                                    <p:cond delay="0"/>
-                                  </p:stCondLst>
-                                  <p:childTnLst>
-                                    <p:set>
-                                      <p:cBhvr>
-                                        <p:cTn id="10" dur="1" fill="hold">
-                                          <p:stCondLst>
-                                            <p:cond delay="0"/>
-                                          </p:stCondLst>
-                                        </p:cTn>
-                                        <p:tgtEl>
-                                          <p:spTgt spid="180">
-                                            <p:txEl>
-                                              <p:pRg st="1" end="1"/>
-                                            </p:txEl>
-                                          </p:spTgt>
-                                        </p:tgtEl>
-                                        <p:attrNameLst>
-                                          <p:attrName>style.visibility</p:attrName>
-                                        </p:attrNameLst>
-                                      </p:cBhvr>
-                                      <p:to>
-                                        <p:strVal val="visible"/>
-                                      </p:to>
-                                    </p:set>
-                                  </p:childTnLst>
-                                </p:cTn>
-                              </p:par>
-                            </p:childTnLst>
-                          </p:cTn>
-                        </p:par>
-                      </p:childTnLst>
-                    </p:cTn>
-                  </p:par>
-                </p:childTnLst>
-              </p:cTn>
-              <p:prevCondLst>
-                <p:cond evt="onPrev" delay="0">
-                  <p:tgtEl>
-                    <p:sldTgt/>
-                  </p:tgtEl>
-                </p:cond>
-              </p:prevCondLst>
-              <p:nextCondLst>
-                <p:cond evt="onNext" delay="0">
-                  <p:tgtEl>
-                    <p:sldTgt/>
-                  </p:tgtEl>
-                </p:cond>
-              </p:nextCondLst>
-            </p:seq>
-          </p:childTnLst>
-        </p:cTn>
-      </p:par>
-    </p:tnLst>
-  </p:timing>
 </p:sld>
 </file>
 
 <file path=ppt/slides/slide18.xml><?xml version="1.0" encoding="utf-8"?>
-<p:sld xmlns:a="http://schemas.openxmlformats.org/drawingml/2006/main" xmlns:r="http://schemas.openxmlformats.org/officeDocument/2006/relationships" xmlns:p="http://schemas.openxmlformats.org/presentationml/2006/main">
+<p:sld xmlns:a="http://schemas.openxmlformats.org/drawingml/2006/main" xmlns:r="http://schemas.openxmlformats.org/officeDocument/2006/relationships" xmlns:p="http://schemas.openxmlformats.org/presentationml/2006/main" show="0">
   <p:cSld>
     <p:spTree>
       <p:nvGrpSpPr>
